--- a/PythonForTestere.pptx
+++ b/PythonForTestere.pptx
@@ -5,7 +5,7 @@
     <p:sldMasterId id="2147483648" r:id="rId1"/>
   </p:sldMasterIdLst>
   <p:notesMasterIdLst>
-    <p:notesMasterId r:id="rId12"/>
+    <p:notesMasterId r:id="rId11"/>
   </p:notesMasterIdLst>
   <p:sldIdLst>
     <p:sldId id="256" r:id="rId2"/>
@@ -17,7 +17,6 @@
     <p:sldId id="267" r:id="rId8"/>
     <p:sldId id="261" r:id="rId9"/>
     <p:sldId id="266" r:id="rId10"/>
-    <p:sldId id="268" r:id="rId11"/>
   </p:sldIdLst>
   <p:sldSz cx="12192000" cy="6858000"/>
   <p:notesSz cx="6858000" cy="9144000"/>
@@ -206,7 +205,7 @@
           <a:p>
             <a:fld id="{7D3F7460-931B-4A2D-A308-85061EA3517E}" type="datetimeFigureOut">
               <a:rPr lang="nb-NO" smtClean="0"/>
-              <a:t>23.04.2025</a:t>
+              <a:t>24.04.2025</a:t>
             </a:fld>
             <a:endParaRPr lang="nb-NO"/>
           </a:p>
@@ -623,7 +622,7 @@
           <a:p>
             <a:fld id="{4845AEC2-F393-49E6-9D9D-A942C4543987}" type="datetimeFigureOut">
               <a:rPr lang="nb-NO" smtClean="0"/>
-              <a:t>23.04.2025</a:t>
+              <a:t>24.04.2025</a:t>
             </a:fld>
             <a:endParaRPr lang="nb-NO"/>
           </a:p>
@@ -823,7 +822,7 @@
           <a:p>
             <a:fld id="{4845AEC2-F393-49E6-9D9D-A942C4543987}" type="datetimeFigureOut">
               <a:rPr lang="nb-NO" smtClean="0"/>
-              <a:t>23.04.2025</a:t>
+              <a:t>24.04.2025</a:t>
             </a:fld>
             <a:endParaRPr lang="nb-NO"/>
           </a:p>
@@ -1033,7 +1032,7 @@
           <a:p>
             <a:fld id="{4845AEC2-F393-49E6-9D9D-A942C4543987}" type="datetimeFigureOut">
               <a:rPr lang="nb-NO" smtClean="0"/>
-              <a:t>23.04.2025</a:t>
+              <a:t>24.04.2025</a:t>
             </a:fld>
             <a:endParaRPr lang="nb-NO"/>
           </a:p>
@@ -1233,7 +1232,7 @@
           <a:p>
             <a:fld id="{4845AEC2-F393-49E6-9D9D-A942C4543987}" type="datetimeFigureOut">
               <a:rPr lang="nb-NO" smtClean="0"/>
-              <a:t>23.04.2025</a:t>
+              <a:t>24.04.2025</a:t>
             </a:fld>
             <a:endParaRPr lang="nb-NO"/>
           </a:p>
@@ -1509,7 +1508,7 @@
           <a:p>
             <a:fld id="{4845AEC2-F393-49E6-9D9D-A942C4543987}" type="datetimeFigureOut">
               <a:rPr lang="nb-NO" smtClean="0"/>
-              <a:t>23.04.2025</a:t>
+              <a:t>24.04.2025</a:t>
             </a:fld>
             <a:endParaRPr lang="nb-NO"/>
           </a:p>
@@ -1777,7 +1776,7 @@
           <a:p>
             <a:fld id="{4845AEC2-F393-49E6-9D9D-A942C4543987}" type="datetimeFigureOut">
               <a:rPr lang="nb-NO" smtClean="0"/>
-              <a:t>23.04.2025</a:t>
+              <a:t>24.04.2025</a:t>
             </a:fld>
             <a:endParaRPr lang="nb-NO"/>
           </a:p>
@@ -2192,7 +2191,7 @@
           <a:p>
             <a:fld id="{4845AEC2-F393-49E6-9D9D-A942C4543987}" type="datetimeFigureOut">
               <a:rPr lang="nb-NO" smtClean="0"/>
-              <a:t>23.04.2025</a:t>
+              <a:t>24.04.2025</a:t>
             </a:fld>
             <a:endParaRPr lang="nb-NO"/>
           </a:p>
@@ -2334,7 +2333,7 @@
           <a:p>
             <a:fld id="{4845AEC2-F393-49E6-9D9D-A942C4543987}" type="datetimeFigureOut">
               <a:rPr lang="nb-NO" smtClean="0"/>
-              <a:t>23.04.2025</a:t>
+              <a:t>24.04.2025</a:t>
             </a:fld>
             <a:endParaRPr lang="nb-NO"/>
           </a:p>
@@ -2447,7 +2446,7 @@
           <a:p>
             <a:fld id="{4845AEC2-F393-49E6-9D9D-A942C4543987}" type="datetimeFigureOut">
               <a:rPr lang="nb-NO" smtClean="0"/>
-              <a:t>23.04.2025</a:t>
+              <a:t>24.04.2025</a:t>
             </a:fld>
             <a:endParaRPr lang="nb-NO"/>
           </a:p>
@@ -2760,7 +2759,7 @@
           <a:p>
             <a:fld id="{4845AEC2-F393-49E6-9D9D-A942C4543987}" type="datetimeFigureOut">
               <a:rPr lang="nb-NO" smtClean="0"/>
-              <a:t>23.04.2025</a:t>
+              <a:t>24.04.2025</a:t>
             </a:fld>
             <a:endParaRPr lang="nb-NO"/>
           </a:p>
@@ -3049,7 +3048,7 @@
           <a:p>
             <a:fld id="{4845AEC2-F393-49E6-9D9D-A942C4543987}" type="datetimeFigureOut">
               <a:rPr lang="nb-NO" smtClean="0"/>
-              <a:t>23.04.2025</a:t>
+              <a:t>24.04.2025</a:t>
             </a:fld>
             <a:endParaRPr lang="nb-NO"/>
           </a:p>
@@ -3297,7 +3296,7 @@
           <a:p>
             <a:fld id="{4845AEC2-F393-49E6-9D9D-A942C4543987}" type="datetimeFigureOut">
               <a:rPr lang="nb-NO" smtClean="0"/>
-              <a:t>23.04.2025</a:t>
+              <a:t>24.04.2025</a:t>
             </a:fld>
             <a:endParaRPr lang="nb-NO"/>
           </a:p>
@@ -4195,175 +4194,6 @@
     <p:extLst>
       <p:ext uri="{BB962C8B-B14F-4D97-AF65-F5344CB8AC3E}">
         <p14:creationId xmlns:p14="http://schemas.microsoft.com/office/powerpoint/2010/main" val="3539338909"/>
-      </p:ext>
-    </p:extLst>
-  </p:cSld>
-  <p:clrMapOvr>
-    <a:masterClrMapping/>
-  </p:clrMapOvr>
-</p:sld>
-</file>
-
-<file path=ppt/slides/slide10.xml><?xml version="1.0" encoding="utf-8"?>
-<p:sld xmlns:a="http://schemas.openxmlformats.org/drawingml/2006/main" xmlns:r="http://schemas.openxmlformats.org/officeDocument/2006/relationships" xmlns:p="http://schemas.openxmlformats.org/presentationml/2006/main">
-  <p:cSld>
-    <p:spTree>
-      <p:nvGrpSpPr>
-        <p:cNvPr id="1" name=""/>
-        <p:cNvGrpSpPr/>
-        <p:nvPr/>
-      </p:nvGrpSpPr>
-      <p:grpSpPr>
-        <a:xfrm>
-          <a:off x="0" y="0"/>
-          <a:ext cx="0" cy="0"/>
-          <a:chOff x="0" y="0"/>
-          <a:chExt cx="0" cy="0"/>
-        </a:xfrm>
-      </p:grpSpPr>
-      <p:sp>
-        <p:nvSpPr>
-          <p:cNvPr id="2" name="Title 1">
-            <a:extLst>
-              <a:ext uri="{FF2B5EF4-FFF2-40B4-BE49-F238E27FC236}">
-                <a16:creationId xmlns:a16="http://schemas.microsoft.com/office/drawing/2014/main" id="{A8BF8DC0-1E08-9444-3721-1F1F8FF0B50F}"/>
-              </a:ext>
-            </a:extLst>
-          </p:cNvPr>
-          <p:cNvSpPr>
-            <a:spLocks noGrp="1"/>
-          </p:cNvSpPr>
-          <p:nvPr>
-            <p:ph type="title"/>
-          </p:nvPr>
-        </p:nvSpPr>
-        <p:spPr/>
-        <p:txBody>
-          <a:bodyPr/>
-          <a:lstStyle/>
-          <a:p>
-            <a:r>
-              <a:rPr lang="en-US" dirty="0"/>
-              <a:t>Exercise 2</a:t>
-            </a:r>
-            <a:endParaRPr lang="nb-NO" dirty="0"/>
-          </a:p>
-        </p:txBody>
-      </p:sp>
-      <p:sp>
-        <p:nvSpPr>
-          <p:cNvPr id="3" name="Content Placeholder 2">
-            <a:extLst>
-              <a:ext uri="{FF2B5EF4-FFF2-40B4-BE49-F238E27FC236}">
-                <a16:creationId xmlns:a16="http://schemas.microsoft.com/office/drawing/2014/main" id="{6704C614-4CCB-8569-6384-1117DD37EC28}"/>
-              </a:ext>
-            </a:extLst>
-          </p:cNvPr>
-          <p:cNvSpPr>
-            <a:spLocks noGrp="1"/>
-          </p:cNvSpPr>
-          <p:nvPr>
-            <p:ph idx="1"/>
-          </p:nvPr>
-        </p:nvSpPr>
-        <p:spPr/>
-        <p:txBody>
-          <a:bodyPr>
-            <a:normAutofit fontScale="92500" lnSpcReduction="20000"/>
-          </a:bodyPr>
-          <a:lstStyle/>
-          <a:p>
-            <a:pPr marL="0" indent="0">
-              <a:buNone/>
-            </a:pPr>
-            <a:r>
-              <a:rPr lang="en-US" dirty="0"/>
-              <a:t>Create a function that accepts an age and returns the following:</a:t>
-            </a:r>
-          </a:p>
-          <a:p>
-            <a:r>
-              <a:rPr lang="en-US" dirty="0"/>
-              <a:t>age &lt; 0 : “Error”</a:t>
-            </a:r>
-          </a:p>
-          <a:p>
-            <a:r>
-              <a:rPr lang="en-US" dirty="0"/>
-              <a:t>age == 0 “Home”</a:t>
-            </a:r>
-          </a:p>
-          <a:p>
-            <a:r>
-              <a:rPr lang="en-US" dirty="0"/>
-              <a:t>age 1-5: “</a:t>
-            </a:r>
-            <a:r>
-              <a:rPr lang="en-US" dirty="0" err="1"/>
-              <a:t>Kindergarden</a:t>
-            </a:r>
-            <a:r>
-              <a:rPr lang="en-US" dirty="0"/>
-              <a:t>”</a:t>
-            </a:r>
-          </a:p>
-          <a:p>
-            <a:r>
-              <a:rPr lang="en-US" dirty="0"/>
-              <a:t>age 6-15: “School”</a:t>
-            </a:r>
-          </a:p>
-          <a:p>
-            <a:r>
-              <a:rPr lang="en-US" dirty="0"/>
-              <a:t>age 16-18: “College”</a:t>
-            </a:r>
-          </a:p>
-          <a:p>
-            <a:r>
-              <a:rPr lang="en-US" dirty="0"/>
-              <a:t>age &gt; 18: “Work or university”</a:t>
-            </a:r>
-          </a:p>
-          <a:p>
-            <a:pPr marL="0" indent="0">
-              <a:buNone/>
-            </a:pPr>
-            <a:endParaRPr lang="en-US" dirty="0"/>
-          </a:p>
-          <a:p>
-            <a:pPr marL="0" indent="0">
-              <a:buNone/>
-            </a:pPr>
-            <a:r>
-              <a:rPr lang="en-US" dirty="0"/>
-              <a:t>Make the program take user input and write the result. </a:t>
-            </a:r>
-          </a:p>
-          <a:p>
-            <a:pPr marL="0" indent="0">
-              <a:buNone/>
-            </a:pPr>
-            <a:r>
-              <a:rPr lang="en-US" dirty="0"/>
-              <a:t>Remember unit test</a:t>
-            </a:r>
-          </a:p>
-          <a:p>
-            <a:endParaRPr lang="en-US" dirty="0"/>
-          </a:p>
-          <a:p>
-            <a:pPr marL="0" indent="0">
-              <a:buNone/>
-            </a:pPr>
-            <a:endParaRPr lang="nb-NO" dirty="0"/>
-          </a:p>
-        </p:txBody>
-      </p:sp>
-    </p:spTree>
-    <p:extLst>
-      <p:ext uri="{BB962C8B-B14F-4D97-AF65-F5344CB8AC3E}">
-        <p14:creationId xmlns:p14="http://schemas.microsoft.com/office/powerpoint/2010/main" val="1761882379"/>
       </p:ext>
     </p:extLst>
   </p:cSld>

--- a/PythonForTestere.pptx
+++ b/PythonForTestere.pptx
@@ -5,7 +5,7 @@
     <p:sldMasterId id="2147483648" r:id="rId1"/>
   </p:sldMasterIdLst>
   <p:notesMasterIdLst>
-    <p:notesMasterId r:id="rId11"/>
+    <p:notesMasterId r:id="rId13"/>
   </p:notesMasterIdLst>
   <p:sldIdLst>
     <p:sldId id="256" r:id="rId2"/>
@@ -17,6 +17,8 @@
     <p:sldId id="267" r:id="rId8"/>
     <p:sldId id="261" r:id="rId9"/>
     <p:sldId id="266" r:id="rId10"/>
+    <p:sldId id="269" r:id="rId11"/>
+    <p:sldId id="268" r:id="rId12"/>
   </p:sldIdLst>
   <p:sldSz cx="12192000" cy="6858000"/>
   <p:notesSz cx="6858000" cy="9144000"/>
@@ -205,7 +207,7 @@
           <a:p>
             <a:fld id="{7D3F7460-931B-4A2D-A308-85061EA3517E}" type="datetimeFigureOut">
               <a:rPr lang="nb-NO" smtClean="0"/>
-              <a:t>24.04.2025</a:t>
+              <a:t>28.04.2025</a:t>
             </a:fld>
             <a:endParaRPr lang="nb-NO"/>
           </a:p>
@@ -622,7 +624,7 @@
           <a:p>
             <a:fld id="{4845AEC2-F393-49E6-9D9D-A942C4543987}" type="datetimeFigureOut">
               <a:rPr lang="nb-NO" smtClean="0"/>
-              <a:t>24.04.2025</a:t>
+              <a:t>28.04.2025</a:t>
             </a:fld>
             <a:endParaRPr lang="nb-NO"/>
           </a:p>
@@ -822,7 +824,7 @@
           <a:p>
             <a:fld id="{4845AEC2-F393-49E6-9D9D-A942C4543987}" type="datetimeFigureOut">
               <a:rPr lang="nb-NO" smtClean="0"/>
-              <a:t>24.04.2025</a:t>
+              <a:t>28.04.2025</a:t>
             </a:fld>
             <a:endParaRPr lang="nb-NO"/>
           </a:p>
@@ -1032,7 +1034,7 @@
           <a:p>
             <a:fld id="{4845AEC2-F393-49E6-9D9D-A942C4543987}" type="datetimeFigureOut">
               <a:rPr lang="nb-NO" smtClean="0"/>
-              <a:t>24.04.2025</a:t>
+              <a:t>28.04.2025</a:t>
             </a:fld>
             <a:endParaRPr lang="nb-NO"/>
           </a:p>
@@ -1232,7 +1234,7 @@
           <a:p>
             <a:fld id="{4845AEC2-F393-49E6-9D9D-A942C4543987}" type="datetimeFigureOut">
               <a:rPr lang="nb-NO" smtClean="0"/>
-              <a:t>24.04.2025</a:t>
+              <a:t>28.04.2025</a:t>
             </a:fld>
             <a:endParaRPr lang="nb-NO"/>
           </a:p>
@@ -1508,7 +1510,7 @@
           <a:p>
             <a:fld id="{4845AEC2-F393-49E6-9D9D-A942C4543987}" type="datetimeFigureOut">
               <a:rPr lang="nb-NO" smtClean="0"/>
-              <a:t>24.04.2025</a:t>
+              <a:t>28.04.2025</a:t>
             </a:fld>
             <a:endParaRPr lang="nb-NO"/>
           </a:p>
@@ -1776,7 +1778,7 @@
           <a:p>
             <a:fld id="{4845AEC2-F393-49E6-9D9D-A942C4543987}" type="datetimeFigureOut">
               <a:rPr lang="nb-NO" smtClean="0"/>
-              <a:t>24.04.2025</a:t>
+              <a:t>28.04.2025</a:t>
             </a:fld>
             <a:endParaRPr lang="nb-NO"/>
           </a:p>
@@ -2191,7 +2193,7 @@
           <a:p>
             <a:fld id="{4845AEC2-F393-49E6-9D9D-A942C4543987}" type="datetimeFigureOut">
               <a:rPr lang="nb-NO" smtClean="0"/>
-              <a:t>24.04.2025</a:t>
+              <a:t>28.04.2025</a:t>
             </a:fld>
             <a:endParaRPr lang="nb-NO"/>
           </a:p>
@@ -2333,7 +2335,7 @@
           <a:p>
             <a:fld id="{4845AEC2-F393-49E6-9D9D-A942C4543987}" type="datetimeFigureOut">
               <a:rPr lang="nb-NO" smtClean="0"/>
-              <a:t>24.04.2025</a:t>
+              <a:t>28.04.2025</a:t>
             </a:fld>
             <a:endParaRPr lang="nb-NO"/>
           </a:p>
@@ -2446,7 +2448,7 @@
           <a:p>
             <a:fld id="{4845AEC2-F393-49E6-9D9D-A942C4543987}" type="datetimeFigureOut">
               <a:rPr lang="nb-NO" smtClean="0"/>
-              <a:t>24.04.2025</a:t>
+              <a:t>28.04.2025</a:t>
             </a:fld>
             <a:endParaRPr lang="nb-NO"/>
           </a:p>
@@ -2759,7 +2761,7 @@
           <a:p>
             <a:fld id="{4845AEC2-F393-49E6-9D9D-A942C4543987}" type="datetimeFigureOut">
               <a:rPr lang="nb-NO" smtClean="0"/>
-              <a:t>24.04.2025</a:t>
+              <a:t>28.04.2025</a:t>
             </a:fld>
             <a:endParaRPr lang="nb-NO"/>
           </a:p>
@@ -3048,7 +3050,7 @@
           <a:p>
             <a:fld id="{4845AEC2-F393-49E6-9D9D-A942C4543987}" type="datetimeFigureOut">
               <a:rPr lang="nb-NO" smtClean="0"/>
-              <a:t>24.04.2025</a:t>
+              <a:t>28.04.2025</a:t>
             </a:fld>
             <a:endParaRPr lang="nb-NO"/>
           </a:p>
@@ -3296,7 +3298,7 @@
           <a:p>
             <a:fld id="{4845AEC2-F393-49E6-9D9D-A942C4543987}" type="datetimeFigureOut">
               <a:rPr lang="nb-NO" smtClean="0"/>
-              <a:t>24.04.2025</a:t>
+              <a:t>28.04.2025</a:t>
             </a:fld>
             <a:endParaRPr lang="nb-NO"/>
           </a:p>
@@ -4194,6 +4196,322 @@
     <p:extLst>
       <p:ext uri="{BB962C8B-B14F-4D97-AF65-F5344CB8AC3E}">
         <p14:creationId xmlns:p14="http://schemas.microsoft.com/office/powerpoint/2010/main" val="3539338909"/>
+      </p:ext>
+    </p:extLst>
+  </p:cSld>
+  <p:clrMapOvr>
+    <a:masterClrMapping/>
+  </p:clrMapOvr>
+</p:sld>
+</file>
+
+<file path=ppt/slides/slide10.xml><?xml version="1.0" encoding="utf-8"?>
+<p:sld xmlns:a="http://schemas.openxmlformats.org/drawingml/2006/main" xmlns:r="http://schemas.openxmlformats.org/officeDocument/2006/relationships" xmlns:p="http://schemas.openxmlformats.org/presentationml/2006/main">
+  <p:cSld>
+    <p:spTree>
+      <p:nvGrpSpPr>
+        <p:cNvPr id="1" name=""/>
+        <p:cNvGrpSpPr/>
+        <p:nvPr/>
+      </p:nvGrpSpPr>
+      <p:grpSpPr>
+        <a:xfrm>
+          <a:off x="0" y="0"/>
+          <a:ext cx="0" cy="0"/>
+          <a:chOff x="0" y="0"/>
+          <a:chExt cx="0" cy="0"/>
+        </a:xfrm>
+      </p:grpSpPr>
+      <p:sp>
+        <p:nvSpPr>
+          <p:cNvPr id="2" name="Title 1">
+            <a:extLst>
+              <a:ext uri="{FF2B5EF4-FFF2-40B4-BE49-F238E27FC236}">
+                <a16:creationId xmlns:a16="http://schemas.microsoft.com/office/drawing/2014/main" id="{686F80C6-0EBE-DDFD-330E-48D85908E600}"/>
+              </a:ext>
+            </a:extLst>
+          </p:cNvPr>
+          <p:cNvSpPr>
+            <a:spLocks noGrp="1"/>
+          </p:cNvSpPr>
+          <p:nvPr>
+            <p:ph type="title"/>
+          </p:nvPr>
+        </p:nvSpPr>
+        <p:spPr/>
+        <p:txBody>
+          <a:bodyPr/>
+          <a:lstStyle/>
+          <a:p>
+            <a:r>
+              <a:rPr lang="en-US" dirty="0"/>
+              <a:t>Test Driven Development (TDD)</a:t>
+            </a:r>
+            <a:endParaRPr lang="nb-NO" dirty="0"/>
+          </a:p>
+        </p:txBody>
+      </p:sp>
+      <p:sp>
+        <p:nvSpPr>
+          <p:cNvPr id="3" name="Content Placeholder 2">
+            <a:extLst>
+              <a:ext uri="{FF2B5EF4-FFF2-40B4-BE49-F238E27FC236}">
+                <a16:creationId xmlns:a16="http://schemas.microsoft.com/office/drawing/2014/main" id="{AD86E65D-99DA-8332-0086-736C739CABA5}"/>
+              </a:ext>
+            </a:extLst>
+          </p:cNvPr>
+          <p:cNvSpPr>
+            <a:spLocks noGrp="1"/>
+          </p:cNvSpPr>
+          <p:nvPr>
+            <p:ph idx="1"/>
+          </p:nvPr>
+        </p:nvSpPr>
+        <p:spPr/>
+        <p:txBody>
+          <a:bodyPr/>
+          <a:lstStyle/>
+          <a:p>
+            <a:pPr marL="514350" indent="-514350">
+              <a:buAutoNum type="arabicPeriod"/>
+            </a:pPr>
+            <a:r>
+              <a:rPr lang="en-US" dirty="0"/>
+              <a:t>Make a simple unit test</a:t>
+            </a:r>
+          </a:p>
+          <a:p>
+            <a:pPr marL="514350" indent="-514350">
+              <a:buAutoNum type="arabicPeriod"/>
+            </a:pPr>
+            <a:r>
+              <a:rPr lang="en-US" dirty="0"/>
+              <a:t>Ensure that the test fails</a:t>
+            </a:r>
+          </a:p>
+          <a:p>
+            <a:pPr marL="514350" indent="-514350">
+              <a:buAutoNum type="arabicPeriod"/>
+            </a:pPr>
+            <a:r>
+              <a:rPr lang="nb-NO" dirty="0" err="1"/>
+              <a:t>Implement</a:t>
+            </a:r>
+            <a:r>
+              <a:rPr lang="nb-NO" dirty="0"/>
+              <a:t> just </a:t>
+            </a:r>
+            <a:r>
+              <a:rPr lang="nb-NO" dirty="0" err="1"/>
+              <a:t>enough</a:t>
+            </a:r>
+            <a:r>
+              <a:rPr lang="nb-NO" dirty="0"/>
+              <a:t> </a:t>
+            </a:r>
+            <a:r>
+              <a:rPr lang="nb-NO" dirty="0" err="1"/>
+              <a:t>code</a:t>
+            </a:r>
+            <a:r>
+              <a:rPr lang="nb-NO" dirty="0"/>
+              <a:t> to make </a:t>
+            </a:r>
+            <a:r>
+              <a:rPr lang="nb-NO" dirty="0" err="1"/>
+              <a:t>the</a:t>
+            </a:r>
+            <a:r>
+              <a:rPr lang="nb-NO" dirty="0"/>
+              <a:t> test pass</a:t>
+            </a:r>
+          </a:p>
+          <a:p>
+            <a:pPr marL="514350" indent="-514350">
+              <a:buAutoNum type="arabicPeriod"/>
+            </a:pPr>
+            <a:r>
+              <a:rPr lang="nb-NO" dirty="0" err="1"/>
+              <a:t>Refactor</a:t>
+            </a:r>
+            <a:endParaRPr lang="nb-NO" dirty="0"/>
+          </a:p>
+          <a:p>
+            <a:pPr marL="514350" indent="-514350">
+              <a:buAutoNum type="arabicPeriod"/>
+            </a:pPr>
+            <a:r>
+              <a:rPr lang="nb-NO" dirty="0" err="1"/>
+              <a:t>Repeat</a:t>
+            </a:r>
+            <a:endParaRPr lang="nb-NO" dirty="0"/>
+          </a:p>
+        </p:txBody>
+      </p:sp>
+    </p:spTree>
+    <p:extLst>
+      <p:ext uri="{BB962C8B-B14F-4D97-AF65-F5344CB8AC3E}">
+        <p14:creationId xmlns:p14="http://schemas.microsoft.com/office/powerpoint/2010/main" val="1313788808"/>
+      </p:ext>
+    </p:extLst>
+  </p:cSld>
+  <p:clrMapOvr>
+    <a:masterClrMapping/>
+  </p:clrMapOvr>
+</p:sld>
+</file>
+
+<file path=ppt/slides/slide11.xml><?xml version="1.0" encoding="utf-8"?>
+<p:sld xmlns:a="http://schemas.openxmlformats.org/drawingml/2006/main" xmlns:r="http://schemas.openxmlformats.org/officeDocument/2006/relationships" xmlns:p="http://schemas.openxmlformats.org/presentationml/2006/main">
+  <p:cSld>
+    <p:spTree>
+      <p:nvGrpSpPr>
+        <p:cNvPr id="1" name=""/>
+        <p:cNvGrpSpPr/>
+        <p:nvPr/>
+      </p:nvGrpSpPr>
+      <p:grpSpPr>
+        <a:xfrm>
+          <a:off x="0" y="0"/>
+          <a:ext cx="0" cy="0"/>
+          <a:chOff x="0" y="0"/>
+          <a:chExt cx="0" cy="0"/>
+        </a:xfrm>
+      </p:grpSpPr>
+      <p:sp>
+        <p:nvSpPr>
+          <p:cNvPr id="2" name="Title 1">
+            <a:extLst>
+              <a:ext uri="{FF2B5EF4-FFF2-40B4-BE49-F238E27FC236}">
+                <a16:creationId xmlns:a16="http://schemas.microsoft.com/office/drawing/2014/main" id="{A8BF8DC0-1E08-9444-3721-1F1F8FF0B50F}"/>
+              </a:ext>
+            </a:extLst>
+          </p:cNvPr>
+          <p:cNvSpPr>
+            <a:spLocks noGrp="1"/>
+          </p:cNvSpPr>
+          <p:nvPr>
+            <p:ph type="title"/>
+          </p:nvPr>
+        </p:nvSpPr>
+        <p:spPr/>
+        <p:txBody>
+          <a:bodyPr/>
+          <a:lstStyle/>
+          <a:p>
+            <a:r>
+              <a:rPr lang="en-US" dirty="0"/>
+              <a:t>TDD Exercise</a:t>
+            </a:r>
+            <a:endParaRPr lang="nb-NO" dirty="0"/>
+          </a:p>
+        </p:txBody>
+      </p:sp>
+      <p:sp>
+        <p:nvSpPr>
+          <p:cNvPr id="3" name="Content Placeholder 2">
+            <a:extLst>
+              <a:ext uri="{FF2B5EF4-FFF2-40B4-BE49-F238E27FC236}">
+                <a16:creationId xmlns:a16="http://schemas.microsoft.com/office/drawing/2014/main" id="{6704C614-4CCB-8569-6384-1117DD37EC28}"/>
+              </a:ext>
+            </a:extLst>
+          </p:cNvPr>
+          <p:cNvSpPr>
+            <a:spLocks noGrp="1"/>
+          </p:cNvSpPr>
+          <p:nvPr>
+            <p:ph idx="1"/>
+          </p:nvPr>
+        </p:nvSpPr>
+        <p:spPr/>
+        <p:txBody>
+          <a:bodyPr>
+            <a:normAutofit fontScale="92500" lnSpcReduction="10000"/>
+          </a:bodyPr>
+          <a:lstStyle/>
+          <a:p>
+            <a:pPr marL="0" indent="0">
+              <a:buNone/>
+            </a:pPr>
+            <a:r>
+              <a:rPr lang="en-US" dirty="0"/>
+              <a:t>Create a function that accepts an age and returns the following:</a:t>
+            </a:r>
+          </a:p>
+          <a:p>
+            <a:r>
+              <a:rPr lang="en-US" dirty="0"/>
+              <a:t>age &lt; 0 : “Error”</a:t>
+            </a:r>
+          </a:p>
+          <a:p>
+            <a:r>
+              <a:rPr lang="en-US" dirty="0"/>
+              <a:t>age == 0 “Home”</a:t>
+            </a:r>
+          </a:p>
+          <a:p>
+            <a:r>
+              <a:rPr lang="en-US" dirty="0"/>
+              <a:t>age 1-5: “</a:t>
+            </a:r>
+            <a:r>
+              <a:rPr lang="en-US" dirty="0" err="1"/>
+              <a:t>Kindergarden</a:t>
+            </a:r>
+            <a:r>
+              <a:rPr lang="en-US" dirty="0"/>
+              <a:t>”</a:t>
+            </a:r>
+          </a:p>
+          <a:p>
+            <a:r>
+              <a:rPr lang="en-US" dirty="0"/>
+              <a:t>age 6-15: “School”</a:t>
+            </a:r>
+          </a:p>
+          <a:p>
+            <a:r>
+              <a:rPr lang="en-US" dirty="0"/>
+              <a:t>age 16-18: “College”</a:t>
+            </a:r>
+          </a:p>
+          <a:p>
+            <a:r>
+              <a:rPr lang="en-US" dirty="0"/>
+              <a:t>age &gt; 18: “Work or university”</a:t>
+            </a:r>
+          </a:p>
+          <a:p>
+            <a:pPr marL="0" indent="0">
+              <a:buNone/>
+            </a:pPr>
+            <a:endParaRPr lang="en-US" dirty="0"/>
+          </a:p>
+          <a:p>
+            <a:pPr marL="0" indent="0">
+              <a:buNone/>
+            </a:pPr>
+            <a:r>
+              <a:rPr lang="en-US" dirty="0"/>
+              <a:t>After completing the function using TDD, accept user input and write the result.</a:t>
+            </a:r>
+          </a:p>
+          <a:p>
+            <a:endParaRPr lang="en-US" dirty="0"/>
+          </a:p>
+          <a:p>
+            <a:pPr marL="0" indent="0">
+              <a:buNone/>
+            </a:pPr>
+            <a:endParaRPr lang="nb-NO" dirty="0"/>
+          </a:p>
+        </p:txBody>
+      </p:sp>
+    </p:spTree>
+    <p:extLst>
+      <p:ext uri="{BB962C8B-B14F-4D97-AF65-F5344CB8AC3E}">
+        <p14:creationId xmlns:p14="http://schemas.microsoft.com/office/powerpoint/2010/main" val="1761882379"/>
       </p:ext>
     </p:extLst>
   </p:cSld>

--- a/PythonForTestere.pptx
+++ b/PythonForTestere.pptx
@@ -5,7 +5,7 @@
     <p:sldMasterId id="2147483648" r:id="rId1"/>
   </p:sldMasterIdLst>
   <p:notesMasterIdLst>
-    <p:notesMasterId r:id="rId13"/>
+    <p:notesMasterId r:id="rId17"/>
   </p:notesMasterIdLst>
   <p:sldIdLst>
     <p:sldId id="256" r:id="rId2"/>
@@ -19,6 +19,10 @@
     <p:sldId id="266" r:id="rId10"/>
     <p:sldId id="269" r:id="rId11"/>
     <p:sldId id="268" r:id="rId12"/>
+    <p:sldId id="271" r:id="rId13"/>
+    <p:sldId id="270" r:id="rId14"/>
+    <p:sldId id="272" r:id="rId15"/>
+    <p:sldId id="273" r:id="rId16"/>
   </p:sldIdLst>
   <p:sldSz cx="12192000" cy="6858000"/>
   <p:notesSz cx="6858000" cy="9144000"/>
@@ -207,7 +211,7 @@
           <a:p>
             <a:fld id="{7D3F7460-931B-4A2D-A308-85061EA3517E}" type="datetimeFigureOut">
               <a:rPr lang="nb-NO" smtClean="0"/>
-              <a:t>28.04.2025</a:t>
+              <a:t>15.05.2025</a:t>
             </a:fld>
             <a:endParaRPr lang="nb-NO"/>
           </a:p>
@@ -624,7 +628,7 @@
           <a:p>
             <a:fld id="{4845AEC2-F393-49E6-9D9D-A942C4543987}" type="datetimeFigureOut">
               <a:rPr lang="nb-NO" smtClean="0"/>
-              <a:t>28.04.2025</a:t>
+              <a:t>15.05.2025</a:t>
             </a:fld>
             <a:endParaRPr lang="nb-NO"/>
           </a:p>
@@ -824,7 +828,7 @@
           <a:p>
             <a:fld id="{4845AEC2-F393-49E6-9D9D-A942C4543987}" type="datetimeFigureOut">
               <a:rPr lang="nb-NO" smtClean="0"/>
-              <a:t>28.04.2025</a:t>
+              <a:t>15.05.2025</a:t>
             </a:fld>
             <a:endParaRPr lang="nb-NO"/>
           </a:p>
@@ -1034,7 +1038,7 @@
           <a:p>
             <a:fld id="{4845AEC2-F393-49E6-9D9D-A942C4543987}" type="datetimeFigureOut">
               <a:rPr lang="nb-NO" smtClean="0"/>
-              <a:t>28.04.2025</a:t>
+              <a:t>15.05.2025</a:t>
             </a:fld>
             <a:endParaRPr lang="nb-NO"/>
           </a:p>
@@ -1234,7 +1238,7 @@
           <a:p>
             <a:fld id="{4845AEC2-F393-49E6-9D9D-A942C4543987}" type="datetimeFigureOut">
               <a:rPr lang="nb-NO" smtClean="0"/>
-              <a:t>28.04.2025</a:t>
+              <a:t>15.05.2025</a:t>
             </a:fld>
             <a:endParaRPr lang="nb-NO"/>
           </a:p>
@@ -1510,7 +1514,7 @@
           <a:p>
             <a:fld id="{4845AEC2-F393-49E6-9D9D-A942C4543987}" type="datetimeFigureOut">
               <a:rPr lang="nb-NO" smtClean="0"/>
-              <a:t>28.04.2025</a:t>
+              <a:t>15.05.2025</a:t>
             </a:fld>
             <a:endParaRPr lang="nb-NO"/>
           </a:p>
@@ -1778,7 +1782,7 @@
           <a:p>
             <a:fld id="{4845AEC2-F393-49E6-9D9D-A942C4543987}" type="datetimeFigureOut">
               <a:rPr lang="nb-NO" smtClean="0"/>
-              <a:t>28.04.2025</a:t>
+              <a:t>15.05.2025</a:t>
             </a:fld>
             <a:endParaRPr lang="nb-NO"/>
           </a:p>
@@ -2193,7 +2197,7 @@
           <a:p>
             <a:fld id="{4845AEC2-F393-49E6-9D9D-A942C4543987}" type="datetimeFigureOut">
               <a:rPr lang="nb-NO" smtClean="0"/>
-              <a:t>28.04.2025</a:t>
+              <a:t>15.05.2025</a:t>
             </a:fld>
             <a:endParaRPr lang="nb-NO"/>
           </a:p>
@@ -2335,7 +2339,7 @@
           <a:p>
             <a:fld id="{4845AEC2-F393-49E6-9D9D-A942C4543987}" type="datetimeFigureOut">
               <a:rPr lang="nb-NO" smtClean="0"/>
-              <a:t>28.04.2025</a:t>
+              <a:t>15.05.2025</a:t>
             </a:fld>
             <a:endParaRPr lang="nb-NO"/>
           </a:p>
@@ -2448,7 +2452,7 @@
           <a:p>
             <a:fld id="{4845AEC2-F393-49E6-9D9D-A942C4543987}" type="datetimeFigureOut">
               <a:rPr lang="nb-NO" smtClean="0"/>
-              <a:t>28.04.2025</a:t>
+              <a:t>15.05.2025</a:t>
             </a:fld>
             <a:endParaRPr lang="nb-NO"/>
           </a:p>
@@ -2761,7 +2765,7 @@
           <a:p>
             <a:fld id="{4845AEC2-F393-49E6-9D9D-A942C4543987}" type="datetimeFigureOut">
               <a:rPr lang="nb-NO" smtClean="0"/>
-              <a:t>28.04.2025</a:t>
+              <a:t>15.05.2025</a:t>
             </a:fld>
             <a:endParaRPr lang="nb-NO"/>
           </a:p>
@@ -3050,7 +3054,7 @@
           <a:p>
             <a:fld id="{4845AEC2-F393-49E6-9D9D-A942C4543987}" type="datetimeFigureOut">
               <a:rPr lang="nb-NO" smtClean="0"/>
-              <a:t>28.04.2025</a:t>
+              <a:t>15.05.2025</a:t>
             </a:fld>
             <a:endParaRPr lang="nb-NO"/>
           </a:p>
@@ -3298,7 +3302,7 @@
           <a:p>
             <a:fld id="{4845AEC2-F393-49E6-9D9D-A942C4543987}" type="datetimeFigureOut">
               <a:rPr lang="nb-NO" smtClean="0"/>
-              <a:t>28.04.2025</a:t>
+              <a:t>15.05.2025</a:t>
             </a:fld>
             <a:endParaRPr lang="nb-NO"/>
           </a:p>
@@ -4512,6 +4516,1523 @@
     <p:extLst>
       <p:ext uri="{BB962C8B-B14F-4D97-AF65-F5344CB8AC3E}">
         <p14:creationId xmlns:p14="http://schemas.microsoft.com/office/powerpoint/2010/main" val="1761882379"/>
+      </p:ext>
+    </p:extLst>
+  </p:cSld>
+  <p:clrMapOvr>
+    <a:masterClrMapping/>
+  </p:clrMapOvr>
+</p:sld>
+</file>
+
+<file path=ppt/slides/slide12.xml><?xml version="1.0" encoding="utf-8"?>
+<p:sld xmlns:a="http://schemas.openxmlformats.org/drawingml/2006/main" xmlns:r="http://schemas.openxmlformats.org/officeDocument/2006/relationships" xmlns:p="http://schemas.openxmlformats.org/presentationml/2006/main">
+  <p:cSld>
+    <p:spTree>
+      <p:nvGrpSpPr>
+        <p:cNvPr id="1" name=""/>
+        <p:cNvGrpSpPr/>
+        <p:nvPr/>
+      </p:nvGrpSpPr>
+      <p:grpSpPr>
+        <a:xfrm>
+          <a:off x="0" y="0"/>
+          <a:ext cx="0" cy="0"/>
+          <a:chOff x="0" y="0"/>
+          <a:chExt cx="0" cy="0"/>
+        </a:xfrm>
+      </p:grpSpPr>
+      <p:sp>
+        <p:nvSpPr>
+          <p:cNvPr id="2" name="Title 1">
+            <a:extLst>
+              <a:ext uri="{FF2B5EF4-FFF2-40B4-BE49-F238E27FC236}">
+                <a16:creationId xmlns:a16="http://schemas.microsoft.com/office/drawing/2014/main" id="{8A3D047B-F869-061A-DA9C-331074496B7B}"/>
+              </a:ext>
+            </a:extLst>
+          </p:cNvPr>
+          <p:cNvSpPr>
+            <a:spLocks noGrp="1"/>
+          </p:cNvSpPr>
+          <p:nvPr>
+            <p:ph type="title"/>
+          </p:nvPr>
+        </p:nvSpPr>
+        <p:spPr/>
+        <p:txBody>
+          <a:bodyPr/>
+          <a:lstStyle/>
+          <a:p>
+            <a:r>
+              <a:rPr lang="en-US" dirty="0"/>
+              <a:t>TDD exercises</a:t>
+            </a:r>
+            <a:endParaRPr lang="nb-NO" dirty="0"/>
+          </a:p>
+        </p:txBody>
+      </p:sp>
+      <p:sp>
+        <p:nvSpPr>
+          <p:cNvPr id="3" name="Content Placeholder 2">
+            <a:extLst>
+              <a:ext uri="{FF2B5EF4-FFF2-40B4-BE49-F238E27FC236}">
+                <a16:creationId xmlns:a16="http://schemas.microsoft.com/office/drawing/2014/main" id="{07FB8CCD-24B6-D3E1-1F5E-4F1716908948}"/>
+              </a:ext>
+            </a:extLst>
+          </p:cNvPr>
+          <p:cNvSpPr>
+            <a:spLocks noGrp="1"/>
+          </p:cNvSpPr>
+          <p:nvPr>
+            <p:ph idx="1"/>
+          </p:nvPr>
+        </p:nvSpPr>
+        <p:spPr/>
+        <p:txBody>
+          <a:bodyPr>
+            <a:normAutofit fontScale="92500" lnSpcReduction="10000"/>
+          </a:bodyPr>
+          <a:lstStyle/>
+          <a:p>
+            <a:pPr marL="0" indent="0">
+              <a:buNone/>
+            </a:pPr>
+            <a:r>
+              <a:rPr lang="en-US" dirty="0"/>
+              <a:t>1. Create a function called </a:t>
+            </a:r>
+            <a:r>
+              <a:rPr lang="en-US" dirty="0">
+                <a:latin typeface="Courier New" panose="02070309020205020404" pitchFamily="49" charset="0"/>
+                <a:cs typeface="Courier New" panose="02070309020205020404" pitchFamily="49" charset="0"/>
+              </a:rPr>
+              <a:t>odd</a:t>
+            </a:r>
+            <a:r>
+              <a:rPr lang="en-US" dirty="0"/>
+              <a:t> that takes a list as a parameter  and returns a list with all the odd numbers. </a:t>
+            </a:r>
+          </a:p>
+          <a:p>
+            <a:pPr marL="0" indent="0">
+              <a:buNone/>
+            </a:pPr>
+            <a:endParaRPr lang="en-US" dirty="0"/>
+          </a:p>
+          <a:p>
+            <a:pPr marL="0" indent="0">
+              <a:buNone/>
+            </a:pPr>
+            <a:r>
+              <a:rPr lang="en-US" dirty="0"/>
+              <a:t>2. Create a function </a:t>
+            </a:r>
+            <a:r>
+              <a:rPr lang="en-US" dirty="0" err="1">
+                <a:latin typeface="Courier New" panose="02070309020205020404" pitchFamily="49" charset="0"/>
+                <a:cs typeface="Courier New" panose="02070309020205020404" pitchFamily="49" charset="0"/>
+              </a:rPr>
+              <a:t>compound_interest</a:t>
+            </a:r>
+            <a:r>
+              <a:rPr lang="en-US" dirty="0"/>
+              <a:t> that works like a bank account. It takes three parameters (amount, </a:t>
+            </a:r>
+            <a:r>
+              <a:rPr lang="en-US" dirty="0" err="1"/>
+              <a:t>interest_rate</a:t>
+            </a:r>
+            <a:r>
+              <a:rPr lang="en-US" dirty="0"/>
+              <a:t>, years) and calculates the amount. </a:t>
+            </a:r>
+          </a:p>
+          <a:p>
+            <a:pPr marL="0" indent="0">
+              <a:buNone/>
+            </a:pPr>
+            <a:r>
+              <a:rPr lang="en-US" dirty="0"/>
+              <a:t>	e.g. If the amount is 1000 and the interest rate is 5%, the return values are: </a:t>
+            </a:r>
+          </a:p>
+          <a:p>
+            <a:pPr marL="0" indent="0">
+              <a:buNone/>
+            </a:pPr>
+            <a:r>
+              <a:rPr lang="en-US" dirty="0"/>
+              <a:t>	After 0 years: 1000</a:t>
+            </a:r>
+          </a:p>
+          <a:p>
+            <a:pPr marL="0" indent="0">
+              <a:buNone/>
+            </a:pPr>
+            <a:r>
+              <a:rPr lang="en-US" dirty="0"/>
+              <a:t>	After 1 year: 1000 * 1.05 = 1050</a:t>
+            </a:r>
+          </a:p>
+          <a:p>
+            <a:pPr marL="0" indent="0">
+              <a:buNone/>
+            </a:pPr>
+            <a:r>
+              <a:rPr lang="en-US" dirty="0"/>
+              <a:t>	After 2 years: 1050 * 1.05 = 1102.50</a:t>
+            </a:r>
+          </a:p>
+          <a:p>
+            <a:endParaRPr lang="nb-NO" dirty="0"/>
+          </a:p>
+        </p:txBody>
+      </p:sp>
+    </p:spTree>
+    <p:extLst>
+      <p:ext uri="{BB962C8B-B14F-4D97-AF65-F5344CB8AC3E}">
+        <p14:creationId xmlns:p14="http://schemas.microsoft.com/office/powerpoint/2010/main" val="2291772853"/>
+      </p:ext>
+    </p:extLst>
+  </p:cSld>
+  <p:clrMapOvr>
+    <a:masterClrMapping/>
+  </p:clrMapOvr>
+</p:sld>
+</file>
+
+<file path=ppt/slides/slide13.xml><?xml version="1.0" encoding="utf-8"?>
+<p:sld xmlns:a="http://schemas.openxmlformats.org/drawingml/2006/main" xmlns:r="http://schemas.openxmlformats.org/officeDocument/2006/relationships" xmlns:p="http://schemas.openxmlformats.org/presentationml/2006/main">
+  <p:cSld>
+    <p:spTree>
+      <p:nvGrpSpPr>
+        <p:cNvPr id="1" name=""/>
+        <p:cNvGrpSpPr/>
+        <p:nvPr/>
+      </p:nvGrpSpPr>
+      <p:grpSpPr>
+        <a:xfrm>
+          <a:off x="0" y="0"/>
+          <a:ext cx="0" cy="0"/>
+          <a:chOff x="0" y="0"/>
+          <a:chExt cx="0" cy="0"/>
+        </a:xfrm>
+      </p:grpSpPr>
+      <p:sp>
+        <p:nvSpPr>
+          <p:cNvPr id="2" name="Title 1">
+            <a:extLst>
+              <a:ext uri="{FF2B5EF4-FFF2-40B4-BE49-F238E27FC236}">
+                <a16:creationId xmlns:a16="http://schemas.microsoft.com/office/drawing/2014/main" id="{82A3E8EE-7BCA-B895-C6DE-9AACD2EA905A}"/>
+              </a:ext>
+            </a:extLst>
+          </p:cNvPr>
+          <p:cNvSpPr>
+            <a:spLocks noGrp="1"/>
+          </p:cNvSpPr>
+          <p:nvPr>
+            <p:ph type="title"/>
+          </p:nvPr>
+        </p:nvSpPr>
+        <p:spPr/>
+        <p:txBody>
+          <a:bodyPr/>
+          <a:lstStyle/>
+          <a:p>
+            <a:r>
+              <a:rPr lang="en-US" dirty="0"/>
+              <a:t>TDD: Draw Christmas Tree</a:t>
+            </a:r>
+            <a:endParaRPr lang="nb-NO" dirty="0"/>
+          </a:p>
+        </p:txBody>
+      </p:sp>
+      <p:sp>
+        <p:nvSpPr>
+          <p:cNvPr id="3" name="Content Placeholder 2">
+            <a:extLst>
+              <a:ext uri="{FF2B5EF4-FFF2-40B4-BE49-F238E27FC236}">
+                <a16:creationId xmlns:a16="http://schemas.microsoft.com/office/drawing/2014/main" id="{6304903A-0578-8D7E-D1B4-8C61A65963B2}"/>
+              </a:ext>
+            </a:extLst>
+          </p:cNvPr>
+          <p:cNvSpPr>
+            <a:spLocks noGrp="1"/>
+          </p:cNvSpPr>
+          <p:nvPr>
+            <p:ph idx="1"/>
+          </p:nvPr>
+        </p:nvSpPr>
+        <p:spPr>
+          <a:xfrm>
+            <a:off x="838200" y="1560444"/>
+            <a:ext cx="3992218" cy="5138530"/>
+          </a:xfrm>
+        </p:spPr>
+        <p:txBody>
+          <a:bodyPr>
+            <a:normAutofit fontScale="77500" lnSpcReduction="20000"/>
+          </a:bodyPr>
+          <a:lstStyle/>
+          <a:p>
+            <a:pPr marL="0" indent="0">
+              <a:buNone/>
+            </a:pPr>
+            <a:r>
+              <a:rPr lang="en-US" dirty="0">
+                <a:latin typeface="Courier New" panose="02070309020205020404" pitchFamily="49" charset="0"/>
+                <a:cs typeface="Courier New" panose="02070309020205020404" pitchFamily="49" charset="0"/>
+              </a:rPr>
+              <a:t>Height 1: </a:t>
+            </a:r>
+          </a:p>
+          <a:p>
+            <a:pPr marL="0" indent="0">
+              <a:buNone/>
+            </a:pPr>
+            <a:r>
+              <a:rPr lang="en-US" dirty="0">
+                <a:latin typeface="Courier New" panose="02070309020205020404" pitchFamily="49" charset="0"/>
+                <a:cs typeface="Courier New" panose="02070309020205020404" pitchFamily="49" charset="0"/>
+              </a:rPr>
+              <a:t>#</a:t>
+            </a:r>
+          </a:p>
+          <a:p>
+            <a:pPr marL="0" indent="0">
+              <a:buNone/>
+            </a:pPr>
+            <a:r>
+              <a:rPr lang="nb-NO" dirty="0">
+                <a:latin typeface="Courier New" panose="02070309020205020404" pitchFamily="49" charset="0"/>
+                <a:cs typeface="Courier New" panose="02070309020205020404" pitchFamily="49" charset="0"/>
+              </a:rPr>
+              <a:t>#</a:t>
+            </a:r>
+          </a:p>
+          <a:p>
+            <a:pPr marL="0" indent="0">
+              <a:buNone/>
+            </a:pPr>
+            <a:endParaRPr lang="nb-NO" dirty="0">
+              <a:latin typeface="Courier New" panose="02070309020205020404" pitchFamily="49" charset="0"/>
+              <a:cs typeface="Courier New" panose="02070309020205020404" pitchFamily="49" charset="0"/>
+            </a:endParaRPr>
+          </a:p>
+          <a:p>
+            <a:pPr marL="0" indent="0">
+              <a:buNone/>
+            </a:pPr>
+            <a:r>
+              <a:rPr lang="nb-NO" dirty="0" err="1">
+                <a:latin typeface="Courier New" panose="02070309020205020404" pitchFamily="49" charset="0"/>
+                <a:cs typeface="Courier New" panose="02070309020205020404" pitchFamily="49" charset="0"/>
+              </a:rPr>
+              <a:t>Height</a:t>
+            </a:r>
+            <a:r>
+              <a:rPr lang="nb-NO" dirty="0">
+                <a:latin typeface="Courier New" panose="02070309020205020404" pitchFamily="49" charset="0"/>
+                <a:cs typeface="Courier New" panose="02070309020205020404" pitchFamily="49" charset="0"/>
+              </a:rPr>
+              <a:t> 2: </a:t>
+            </a:r>
+          </a:p>
+          <a:p>
+            <a:pPr marL="0" indent="0">
+              <a:buNone/>
+            </a:pPr>
+            <a:r>
+              <a:rPr lang="nb-NO" dirty="0">
+                <a:latin typeface="Courier New" panose="02070309020205020404" pitchFamily="49" charset="0"/>
+                <a:cs typeface="Courier New" panose="02070309020205020404" pitchFamily="49" charset="0"/>
+              </a:rPr>
+              <a:t> #</a:t>
+            </a:r>
+          </a:p>
+          <a:p>
+            <a:pPr marL="0" indent="0">
+              <a:buNone/>
+            </a:pPr>
+            <a:r>
+              <a:rPr lang="nb-NO" dirty="0">
+                <a:latin typeface="Courier New" panose="02070309020205020404" pitchFamily="49" charset="0"/>
+                <a:cs typeface="Courier New" panose="02070309020205020404" pitchFamily="49" charset="0"/>
+              </a:rPr>
+              <a:t>###</a:t>
+            </a:r>
+          </a:p>
+          <a:p>
+            <a:pPr marL="0" indent="0">
+              <a:buNone/>
+            </a:pPr>
+            <a:r>
+              <a:rPr lang="nb-NO" dirty="0">
+                <a:latin typeface="Courier New" panose="02070309020205020404" pitchFamily="49" charset="0"/>
+                <a:cs typeface="Courier New" panose="02070309020205020404" pitchFamily="49" charset="0"/>
+              </a:rPr>
+              <a:t> #</a:t>
+            </a:r>
+          </a:p>
+          <a:p>
+            <a:pPr marL="0" indent="0">
+              <a:buNone/>
+            </a:pPr>
+            <a:endParaRPr lang="nb-NO" dirty="0">
+              <a:latin typeface="Courier New" panose="02070309020205020404" pitchFamily="49" charset="0"/>
+              <a:cs typeface="Courier New" panose="02070309020205020404" pitchFamily="49" charset="0"/>
+            </a:endParaRPr>
+          </a:p>
+          <a:p>
+            <a:pPr marL="0" indent="0">
+              <a:buNone/>
+            </a:pPr>
+            <a:r>
+              <a:rPr lang="nb-NO" dirty="0" err="1">
+                <a:latin typeface="Courier New" panose="02070309020205020404" pitchFamily="49" charset="0"/>
+                <a:cs typeface="Courier New" panose="02070309020205020404" pitchFamily="49" charset="0"/>
+              </a:rPr>
+              <a:t>Height</a:t>
+            </a:r>
+            <a:r>
+              <a:rPr lang="nb-NO" dirty="0">
+                <a:latin typeface="Courier New" panose="02070309020205020404" pitchFamily="49" charset="0"/>
+                <a:cs typeface="Courier New" panose="02070309020205020404" pitchFamily="49" charset="0"/>
+              </a:rPr>
+              <a:t> 3: </a:t>
+            </a:r>
+          </a:p>
+          <a:p>
+            <a:pPr marL="0" indent="0">
+              <a:buNone/>
+            </a:pPr>
+            <a:r>
+              <a:rPr lang="nb-NO" dirty="0">
+                <a:latin typeface="Courier New" panose="02070309020205020404" pitchFamily="49" charset="0"/>
+                <a:cs typeface="Courier New" panose="02070309020205020404" pitchFamily="49" charset="0"/>
+              </a:rPr>
+              <a:t>  #</a:t>
+            </a:r>
+          </a:p>
+          <a:p>
+            <a:pPr marL="0" indent="0">
+              <a:buNone/>
+            </a:pPr>
+            <a:r>
+              <a:rPr lang="nb-NO" dirty="0">
+                <a:latin typeface="Courier New" panose="02070309020205020404" pitchFamily="49" charset="0"/>
+                <a:cs typeface="Courier New" panose="02070309020205020404" pitchFamily="49" charset="0"/>
+              </a:rPr>
+              <a:t> ###</a:t>
+            </a:r>
+          </a:p>
+          <a:p>
+            <a:pPr marL="0" indent="0">
+              <a:buNone/>
+            </a:pPr>
+            <a:r>
+              <a:rPr lang="nb-NO" dirty="0">
+                <a:latin typeface="Courier New" panose="02070309020205020404" pitchFamily="49" charset="0"/>
+                <a:cs typeface="Courier New" panose="02070309020205020404" pitchFamily="49" charset="0"/>
+              </a:rPr>
+              <a:t>#####</a:t>
+            </a:r>
+          </a:p>
+          <a:p>
+            <a:pPr marL="0" indent="0">
+              <a:buNone/>
+            </a:pPr>
+            <a:r>
+              <a:rPr lang="nb-NO" dirty="0">
+                <a:latin typeface="Courier New" panose="02070309020205020404" pitchFamily="49" charset="0"/>
+                <a:cs typeface="Courier New" panose="02070309020205020404" pitchFamily="49" charset="0"/>
+              </a:rPr>
+              <a:t>  #</a:t>
+            </a:r>
+          </a:p>
+        </p:txBody>
+      </p:sp>
+      <p:sp>
+        <p:nvSpPr>
+          <p:cNvPr id="4" name="Content Placeholder 2">
+            <a:extLst>
+              <a:ext uri="{FF2B5EF4-FFF2-40B4-BE49-F238E27FC236}">
+                <a16:creationId xmlns:a16="http://schemas.microsoft.com/office/drawing/2014/main" id="{2F8E3ABF-F7D5-E8A7-CB5C-74B0B54998AC}"/>
+              </a:ext>
+            </a:extLst>
+          </p:cNvPr>
+          <p:cNvSpPr txBox="1">
+            <a:spLocks/>
+          </p:cNvSpPr>
+          <p:nvPr/>
+        </p:nvSpPr>
+        <p:spPr>
+          <a:xfrm>
+            <a:off x="4843671" y="1560444"/>
+            <a:ext cx="3147390" cy="5138530"/>
+          </a:xfrm>
+          <a:prstGeom prst="rect">
+            <a:avLst/>
+          </a:prstGeom>
+        </p:spPr>
+        <p:txBody>
+          <a:bodyPr vert="horz" lIns="91440" tIns="45720" rIns="91440" bIns="45720" rtlCol="0">
+            <a:normAutofit fontScale="77500" lnSpcReduction="20000"/>
+          </a:bodyPr>
+          <a:lstStyle>
+            <a:lvl1pPr marL="228600" indent="-228600" algn="l" defTabSz="914400" rtl="0" eaLnBrk="1" latinLnBrk="0" hangingPunct="1">
+              <a:lnSpc>
+                <a:spcPct val="90000"/>
+              </a:lnSpc>
+              <a:spcBef>
+                <a:spcPts val="1000"/>
+              </a:spcBef>
+              <a:buFont typeface="Arial" panose="020B0604020202020204" pitchFamily="34" charset="0"/>
+              <a:buChar char="•"/>
+              <a:defRPr sz="2800" kern="1200">
+                <a:solidFill>
+                  <a:schemeClr val="tx1"/>
+                </a:solidFill>
+                <a:latin typeface="+mn-lt"/>
+                <a:ea typeface="+mn-ea"/>
+                <a:cs typeface="+mn-cs"/>
+              </a:defRPr>
+            </a:lvl1pPr>
+            <a:lvl2pPr marL="685800" indent="-228600" algn="l" defTabSz="914400" rtl="0" eaLnBrk="1" latinLnBrk="0" hangingPunct="1">
+              <a:lnSpc>
+                <a:spcPct val="90000"/>
+              </a:lnSpc>
+              <a:spcBef>
+                <a:spcPts val="500"/>
+              </a:spcBef>
+              <a:buFont typeface="Arial" panose="020B0604020202020204" pitchFamily="34" charset="0"/>
+              <a:buChar char="•"/>
+              <a:defRPr sz="2400" kern="1200">
+                <a:solidFill>
+                  <a:schemeClr val="tx1"/>
+                </a:solidFill>
+                <a:latin typeface="+mn-lt"/>
+                <a:ea typeface="+mn-ea"/>
+                <a:cs typeface="+mn-cs"/>
+              </a:defRPr>
+            </a:lvl2pPr>
+            <a:lvl3pPr marL="1143000" indent="-228600" algn="l" defTabSz="914400" rtl="0" eaLnBrk="1" latinLnBrk="0" hangingPunct="1">
+              <a:lnSpc>
+                <a:spcPct val="90000"/>
+              </a:lnSpc>
+              <a:spcBef>
+                <a:spcPts val="500"/>
+              </a:spcBef>
+              <a:buFont typeface="Arial" panose="020B0604020202020204" pitchFamily="34" charset="0"/>
+              <a:buChar char="•"/>
+              <a:defRPr sz="2000" kern="1200">
+                <a:solidFill>
+                  <a:schemeClr val="tx1"/>
+                </a:solidFill>
+                <a:latin typeface="+mn-lt"/>
+                <a:ea typeface="+mn-ea"/>
+                <a:cs typeface="+mn-cs"/>
+              </a:defRPr>
+            </a:lvl3pPr>
+            <a:lvl4pPr marL="1600200" indent="-228600" algn="l" defTabSz="914400" rtl="0" eaLnBrk="1" latinLnBrk="0" hangingPunct="1">
+              <a:lnSpc>
+                <a:spcPct val="90000"/>
+              </a:lnSpc>
+              <a:spcBef>
+                <a:spcPts val="500"/>
+              </a:spcBef>
+              <a:buFont typeface="Arial" panose="020B0604020202020204" pitchFamily="34" charset="0"/>
+              <a:buChar char="•"/>
+              <a:defRPr sz="1800" kern="1200">
+                <a:solidFill>
+                  <a:schemeClr val="tx1"/>
+                </a:solidFill>
+                <a:latin typeface="+mn-lt"/>
+                <a:ea typeface="+mn-ea"/>
+                <a:cs typeface="+mn-cs"/>
+              </a:defRPr>
+            </a:lvl4pPr>
+            <a:lvl5pPr marL="2057400" indent="-228600" algn="l" defTabSz="914400" rtl="0" eaLnBrk="1" latinLnBrk="0" hangingPunct="1">
+              <a:lnSpc>
+                <a:spcPct val="90000"/>
+              </a:lnSpc>
+              <a:spcBef>
+                <a:spcPts val="500"/>
+              </a:spcBef>
+              <a:buFont typeface="Arial" panose="020B0604020202020204" pitchFamily="34" charset="0"/>
+              <a:buChar char="•"/>
+              <a:defRPr sz="1800" kern="1200">
+                <a:solidFill>
+                  <a:schemeClr val="tx1"/>
+                </a:solidFill>
+                <a:latin typeface="+mn-lt"/>
+                <a:ea typeface="+mn-ea"/>
+                <a:cs typeface="+mn-cs"/>
+              </a:defRPr>
+            </a:lvl5pPr>
+            <a:lvl6pPr marL="2514600" indent="-228600" algn="l" defTabSz="914400" rtl="0" eaLnBrk="1" latinLnBrk="0" hangingPunct="1">
+              <a:lnSpc>
+                <a:spcPct val="90000"/>
+              </a:lnSpc>
+              <a:spcBef>
+                <a:spcPts val="500"/>
+              </a:spcBef>
+              <a:buFont typeface="Arial" panose="020B0604020202020204" pitchFamily="34" charset="0"/>
+              <a:buChar char="•"/>
+              <a:defRPr sz="1800" kern="1200">
+                <a:solidFill>
+                  <a:schemeClr val="tx1"/>
+                </a:solidFill>
+                <a:latin typeface="+mn-lt"/>
+                <a:ea typeface="+mn-ea"/>
+                <a:cs typeface="+mn-cs"/>
+              </a:defRPr>
+            </a:lvl6pPr>
+            <a:lvl7pPr marL="2971800" indent="-228600" algn="l" defTabSz="914400" rtl="0" eaLnBrk="1" latinLnBrk="0" hangingPunct="1">
+              <a:lnSpc>
+                <a:spcPct val="90000"/>
+              </a:lnSpc>
+              <a:spcBef>
+                <a:spcPts val="500"/>
+              </a:spcBef>
+              <a:buFont typeface="Arial" panose="020B0604020202020204" pitchFamily="34" charset="0"/>
+              <a:buChar char="•"/>
+              <a:defRPr sz="1800" kern="1200">
+                <a:solidFill>
+                  <a:schemeClr val="tx1"/>
+                </a:solidFill>
+                <a:latin typeface="+mn-lt"/>
+                <a:ea typeface="+mn-ea"/>
+                <a:cs typeface="+mn-cs"/>
+              </a:defRPr>
+            </a:lvl7pPr>
+            <a:lvl8pPr marL="3429000" indent="-228600" algn="l" defTabSz="914400" rtl="0" eaLnBrk="1" latinLnBrk="0" hangingPunct="1">
+              <a:lnSpc>
+                <a:spcPct val="90000"/>
+              </a:lnSpc>
+              <a:spcBef>
+                <a:spcPts val="500"/>
+              </a:spcBef>
+              <a:buFont typeface="Arial" panose="020B0604020202020204" pitchFamily="34" charset="0"/>
+              <a:buChar char="•"/>
+              <a:defRPr sz="1800" kern="1200">
+                <a:solidFill>
+                  <a:schemeClr val="tx1"/>
+                </a:solidFill>
+                <a:latin typeface="+mn-lt"/>
+                <a:ea typeface="+mn-ea"/>
+                <a:cs typeface="+mn-cs"/>
+              </a:defRPr>
+            </a:lvl8pPr>
+            <a:lvl9pPr marL="3886200" indent="-228600" algn="l" defTabSz="914400" rtl="0" eaLnBrk="1" latinLnBrk="0" hangingPunct="1">
+              <a:lnSpc>
+                <a:spcPct val="90000"/>
+              </a:lnSpc>
+              <a:spcBef>
+                <a:spcPts val="500"/>
+              </a:spcBef>
+              <a:buFont typeface="Arial" panose="020B0604020202020204" pitchFamily="34" charset="0"/>
+              <a:buChar char="•"/>
+              <a:defRPr sz="1800" kern="1200">
+                <a:solidFill>
+                  <a:schemeClr val="tx1"/>
+                </a:solidFill>
+                <a:latin typeface="+mn-lt"/>
+                <a:ea typeface="+mn-ea"/>
+                <a:cs typeface="+mn-cs"/>
+              </a:defRPr>
+            </a:lvl9pPr>
+          </a:lstStyle>
+          <a:p>
+            <a:pPr marL="0" indent="0">
+              <a:buFont typeface="Arial" panose="020B0604020202020204" pitchFamily="34" charset="0"/>
+              <a:buNone/>
+            </a:pPr>
+            <a:r>
+              <a:rPr lang="en-US" dirty="0">
+                <a:latin typeface="Courier New" panose="02070309020205020404" pitchFamily="49" charset="0"/>
+                <a:cs typeface="Courier New" panose="02070309020205020404" pitchFamily="49" charset="0"/>
+              </a:rPr>
+              <a:t>Height 4: </a:t>
+            </a:r>
+          </a:p>
+          <a:p>
+            <a:pPr marL="0" indent="0">
+              <a:buFont typeface="Arial" panose="020B0604020202020204" pitchFamily="34" charset="0"/>
+              <a:buNone/>
+            </a:pPr>
+            <a:r>
+              <a:rPr lang="en-US" dirty="0">
+                <a:latin typeface="Courier New" panose="02070309020205020404" pitchFamily="49" charset="0"/>
+                <a:cs typeface="Courier New" panose="02070309020205020404" pitchFamily="49" charset="0"/>
+              </a:rPr>
+              <a:t>   #</a:t>
+            </a:r>
+          </a:p>
+          <a:p>
+            <a:pPr marL="0" indent="0">
+              <a:buFont typeface="Arial" panose="020B0604020202020204" pitchFamily="34" charset="0"/>
+              <a:buNone/>
+            </a:pPr>
+            <a:r>
+              <a:rPr lang="en-US" dirty="0">
+                <a:latin typeface="Courier New" panose="02070309020205020404" pitchFamily="49" charset="0"/>
+                <a:cs typeface="Courier New" panose="02070309020205020404" pitchFamily="49" charset="0"/>
+              </a:rPr>
+              <a:t>  ###</a:t>
+            </a:r>
+          </a:p>
+          <a:p>
+            <a:pPr marL="0" indent="0">
+              <a:buFont typeface="Arial" panose="020B0604020202020204" pitchFamily="34" charset="0"/>
+              <a:buNone/>
+            </a:pPr>
+            <a:r>
+              <a:rPr lang="en-US" dirty="0">
+                <a:latin typeface="Courier New" panose="02070309020205020404" pitchFamily="49" charset="0"/>
+                <a:cs typeface="Courier New" panose="02070309020205020404" pitchFamily="49" charset="0"/>
+              </a:rPr>
+              <a:t> #####</a:t>
+            </a:r>
+          </a:p>
+          <a:p>
+            <a:pPr marL="0" indent="0">
+              <a:buFont typeface="Arial" panose="020B0604020202020204" pitchFamily="34" charset="0"/>
+              <a:buNone/>
+            </a:pPr>
+            <a:r>
+              <a:rPr lang="en-US" dirty="0">
+                <a:latin typeface="Courier New" panose="02070309020205020404" pitchFamily="49" charset="0"/>
+                <a:cs typeface="Courier New" panose="02070309020205020404" pitchFamily="49" charset="0"/>
+              </a:rPr>
+              <a:t>#######</a:t>
+            </a:r>
+          </a:p>
+          <a:p>
+            <a:pPr marL="0" indent="0">
+              <a:buFont typeface="Arial" panose="020B0604020202020204" pitchFamily="34" charset="0"/>
+              <a:buNone/>
+            </a:pPr>
+            <a:r>
+              <a:rPr lang="nb-NO" dirty="0">
+                <a:latin typeface="Courier New" panose="02070309020205020404" pitchFamily="49" charset="0"/>
+                <a:cs typeface="Courier New" panose="02070309020205020404" pitchFamily="49" charset="0"/>
+              </a:rPr>
+              <a:t>   #</a:t>
+            </a:r>
+          </a:p>
+          <a:p>
+            <a:pPr marL="0" indent="0">
+              <a:buFont typeface="Arial" panose="020B0604020202020204" pitchFamily="34" charset="0"/>
+              <a:buNone/>
+            </a:pPr>
+            <a:endParaRPr lang="nb-NO" dirty="0">
+              <a:latin typeface="Courier New" panose="02070309020205020404" pitchFamily="49" charset="0"/>
+              <a:cs typeface="Courier New" panose="02070309020205020404" pitchFamily="49" charset="0"/>
+            </a:endParaRPr>
+          </a:p>
+          <a:p>
+            <a:pPr marL="0" indent="0">
+              <a:buFont typeface="Arial" panose="020B0604020202020204" pitchFamily="34" charset="0"/>
+              <a:buNone/>
+            </a:pPr>
+            <a:r>
+              <a:rPr lang="nb-NO" dirty="0" err="1">
+                <a:latin typeface="Courier New" panose="02070309020205020404" pitchFamily="49" charset="0"/>
+                <a:cs typeface="Courier New" panose="02070309020205020404" pitchFamily="49" charset="0"/>
+              </a:rPr>
+              <a:t>Height</a:t>
+            </a:r>
+            <a:r>
+              <a:rPr lang="nb-NO" dirty="0">
+                <a:latin typeface="Courier New" panose="02070309020205020404" pitchFamily="49" charset="0"/>
+                <a:cs typeface="Courier New" panose="02070309020205020404" pitchFamily="49" charset="0"/>
+              </a:rPr>
+              <a:t> 5: </a:t>
+            </a:r>
+          </a:p>
+          <a:p>
+            <a:pPr marL="0" indent="0">
+              <a:buFont typeface="Arial" panose="020B0604020202020204" pitchFamily="34" charset="0"/>
+              <a:buNone/>
+            </a:pPr>
+            <a:r>
+              <a:rPr lang="nb-NO" dirty="0">
+                <a:latin typeface="Courier New" panose="02070309020205020404" pitchFamily="49" charset="0"/>
+                <a:cs typeface="Courier New" panose="02070309020205020404" pitchFamily="49" charset="0"/>
+              </a:rPr>
+              <a:t>    #</a:t>
+            </a:r>
+          </a:p>
+          <a:p>
+            <a:pPr marL="0" indent="0">
+              <a:buFont typeface="Arial" panose="020B0604020202020204" pitchFamily="34" charset="0"/>
+              <a:buNone/>
+            </a:pPr>
+            <a:r>
+              <a:rPr lang="nb-NO" dirty="0">
+                <a:latin typeface="Courier New" panose="02070309020205020404" pitchFamily="49" charset="0"/>
+                <a:cs typeface="Courier New" panose="02070309020205020404" pitchFamily="49" charset="0"/>
+              </a:rPr>
+              <a:t>   ###</a:t>
+            </a:r>
+          </a:p>
+          <a:p>
+            <a:pPr marL="0" indent="0">
+              <a:buFont typeface="Arial" panose="020B0604020202020204" pitchFamily="34" charset="0"/>
+              <a:buNone/>
+            </a:pPr>
+            <a:r>
+              <a:rPr lang="nb-NO" dirty="0">
+                <a:latin typeface="Courier New" panose="02070309020205020404" pitchFamily="49" charset="0"/>
+                <a:cs typeface="Courier New" panose="02070309020205020404" pitchFamily="49" charset="0"/>
+              </a:rPr>
+              <a:t>  #####</a:t>
+            </a:r>
+          </a:p>
+          <a:p>
+            <a:pPr marL="0" indent="0">
+              <a:buFont typeface="Arial" panose="020B0604020202020204" pitchFamily="34" charset="0"/>
+              <a:buNone/>
+            </a:pPr>
+            <a:r>
+              <a:rPr lang="nb-NO" dirty="0">
+                <a:latin typeface="Courier New" panose="02070309020205020404" pitchFamily="49" charset="0"/>
+                <a:cs typeface="Courier New" panose="02070309020205020404" pitchFamily="49" charset="0"/>
+              </a:rPr>
+              <a:t> #######</a:t>
+            </a:r>
+          </a:p>
+          <a:p>
+            <a:pPr marL="0" indent="0">
+              <a:buFont typeface="Arial" panose="020B0604020202020204" pitchFamily="34" charset="0"/>
+              <a:buNone/>
+            </a:pPr>
+            <a:r>
+              <a:rPr lang="nb-NO" dirty="0">
+                <a:latin typeface="Courier New" panose="02070309020205020404" pitchFamily="49" charset="0"/>
+                <a:cs typeface="Courier New" panose="02070309020205020404" pitchFamily="49" charset="0"/>
+              </a:rPr>
+              <a:t>#########</a:t>
+            </a:r>
+          </a:p>
+          <a:p>
+            <a:pPr marL="0" indent="0">
+              <a:buFont typeface="Arial" panose="020B0604020202020204" pitchFamily="34" charset="0"/>
+              <a:buNone/>
+            </a:pPr>
+            <a:r>
+              <a:rPr lang="nb-NO" dirty="0">
+                <a:latin typeface="Courier New" panose="02070309020205020404" pitchFamily="49" charset="0"/>
+                <a:cs typeface="Courier New" panose="02070309020205020404" pitchFamily="49" charset="0"/>
+              </a:rPr>
+              <a:t>    #</a:t>
+            </a:r>
+          </a:p>
+          <a:p>
+            <a:pPr marL="0" indent="0">
+              <a:buFont typeface="Arial" panose="020B0604020202020204" pitchFamily="34" charset="0"/>
+              <a:buNone/>
+            </a:pPr>
+            <a:endParaRPr lang="nb-NO" dirty="0">
+              <a:latin typeface="Courier New" panose="02070309020205020404" pitchFamily="49" charset="0"/>
+              <a:cs typeface="Courier New" panose="02070309020205020404" pitchFamily="49" charset="0"/>
+            </a:endParaRPr>
+          </a:p>
+        </p:txBody>
+      </p:sp>
+      <p:sp>
+        <p:nvSpPr>
+          <p:cNvPr id="5" name="Content Placeholder 2">
+            <a:extLst>
+              <a:ext uri="{FF2B5EF4-FFF2-40B4-BE49-F238E27FC236}">
+                <a16:creationId xmlns:a16="http://schemas.microsoft.com/office/drawing/2014/main" id="{EFA646F8-AB65-2DDC-DA7A-8F1809284BBE}"/>
+              </a:ext>
+            </a:extLst>
+          </p:cNvPr>
+          <p:cNvSpPr txBox="1">
+            <a:spLocks/>
+          </p:cNvSpPr>
+          <p:nvPr/>
+        </p:nvSpPr>
+        <p:spPr>
+          <a:xfrm>
+            <a:off x="8262733" y="1560445"/>
+            <a:ext cx="3147390" cy="3150704"/>
+          </a:xfrm>
+          <a:prstGeom prst="rect">
+            <a:avLst/>
+          </a:prstGeom>
+        </p:spPr>
+        <p:txBody>
+          <a:bodyPr vert="horz" lIns="91440" tIns="45720" rIns="91440" bIns="45720" rtlCol="0">
+            <a:normAutofit fontScale="85000" lnSpcReduction="20000"/>
+          </a:bodyPr>
+          <a:lstStyle>
+            <a:lvl1pPr marL="228600" indent="-228600" algn="l" defTabSz="914400" rtl="0" eaLnBrk="1" latinLnBrk="0" hangingPunct="1">
+              <a:lnSpc>
+                <a:spcPct val="90000"/>
+              </a:lnSpc>
+              <a:spcBef>
+                <a:spcPts val="1000"/>
+              </a:spcBef>
+              <a:buFont typeface="Arial" panose="020B0604020202020204" pitchFamily="34" charset="0"/>
+              <a:buChar char="•"/>
+              <a:defRPr sz="2800" kern="1200">
+                <a:solidFill>
+                  <a:schemeClr val="tx1"/>
+                </a:solidFill>
+                <a:latin typeface="+mn-lt"/>
+                <a:ea typeface="+mn-ea"/>
+                <a:cs typeface="+mn-cs"/>
+              </a:defRPr>
+            </a:lvl1pPr>
+            <a:lvl2pPr marL="685800" indent="-228600" algn="l" defTabSz="914400" rtl="0" eaLnBrk="1" latinLnBrk="0" hangingPunct="1">
+              <a:lnSpc>
+                <a:spcPct val="90000"/>
+              </a:lnSpc>
+              <a:spcBef>
+                <a:spcPts val="500"/>
+              </a:spcBef>
+              <a:buFont typeface="Arial" panose="020B0604020202020204" pitchFamily="34" charset="0"/>
+              <a:buChar char="•"/>
+              <a:defRPr sz="2400" kern="1200">
+                <a:solidFill>
+                  <a:schemeClr val="tx1"/>
+                </a:solidFill>
+                <a:latin typeface="+mn-lt"/>
+                <a:ea typeface="+mn-ea"/>
+                <a:cs typeface="+mn-cs"/>
+              </a:defRPr>
+            </a:lvl2pPr>
+            <a:lvl3pPr marL="1143000" indent="-228600" algn="l" defTabSz="914400" rtl="0" eaLnBrk="1" latinLnBrk="0" hangingPunct="1">
+              <a:lnSpc>
+                <a:spcPct val="90000"/>
+              </a:lnSpc>
+              <a:spcBef>
+                <a:spcPts val="500"/>
+              </a:spcBef>
+              <a:buFont typeface="Arial" panose="020B0604020202020204" pitchFamily="34" charset="0"/>
+              <a:buChar char="•"/>
+              <a:defRPr sz="2000" kern="1200">
+                <a:solidFill>
+                  <a:schemeClr val="tx1"/>
+                </a:solidFill>
+                <a:latin typeface="+mn-lt"/>
+                <a:ea typeface="+mn-ea"/>
+                <a:cs typeface="+mn-cs"/>
+              </a:defRPr>
+            </a:lvl3pPr>
+            <a:lvl4pPr marL="1600200" indent="-228600" algn="l" defTabSz="914400" rtl="0" eaLnBrk="1" latinLnBrk="0" hangingPunct="1">
+              <a:lnSpc>
+                <a:spcPct val="90000"/>
+              </a:lnSpc>
+              <a:spcBef>
+                <a:spcPts val="500"/>
+              </a:spcBef>
+              <a:buFont typeface="Arial" panose="020B0604020202020204" pitchFamily="34" charset="0"/>
+              <a:buChar char="•"/>
+              <a:defRPr sz="1800" kern="1200">
+                <a:solidFill>
+                  <a:schemeClr val="tx1"/>
+                </a:solidFill>
+                <a:latin typeface="+mn-lt"/>
+                <a:ea typeface="+mn-ea"/>
+                <a:cs typeface="+mn-cs"/>
+              </a:defRPr>
+            </a:lvl4pPr>
+            <a:lvl5pPr marL="2057400" indent="-228600" algn="l" defTabSz="914400" rtl="0" eaLnBrk="1" latinLnBrk="0" hangingPunct="1">
+              <a:lnSpc>
+                <a:spcPct val="90000"/>
+              </a:lnSpc>
+              <a:spcBef>
+                <a:spcPts val="500"/>
+              </a:spcBef>
+              <a:buFont typeface="Arial" panose="020B0604020202020204" pitchFamily="34" charset="0"/>
+              <a:buChar char="•"/>
+              <a:defRPr sz="1800" kern="1200">
+                <a:solidFill>
+                  <a:schemeClr val="tx1"/>
+                </a:solidFill>
+                <a:latin typeface="+mn-lt"/>
+                <a:ea typeface="+mn-ea"/>
+                <a:cs typeface="+mn-cs"/>
+              </a:defRPr>
+            </a:lvl5pPr>
+            <a:lvl6pPr marL="2514600" indent="-228600" algn="l" defTabSz="914400" rtl="0" eaLnBrk="1" latinLnBrk="0" hangingPunct="1">
+              <a:lnSpc>
+                <a:spcPct val="90000"/>
+              </a:lnSpc>
+              <a:spcBef>
+                <a:spcPts val="500"/>
+              </a:spcBef>
+              <a:buFont typeface="Arial" panose="020B0604020202020204" pitchFamily="34" charset="0"/>
+              <a:buChar char="•"/>
+              <a:defRPr sz="1800" kern="1200">
+                <a:solidFill>
+                  <a:schemeClr val="tx1"/>
+                </a:solidFill>
+                <a:latin typeface="+mn-lt"/>
+                <a:ea typeface="+mn-ea"/>
+                <a:cs typeface="+mn-cs"/>
+              </a:defRPr>
+            </a:lvl6pPr>
+            <a:lvl7pPr marL="2971800" indent="-228600" algn="l" defTabSz="914400" rtl="0" eaLnBrk="1" latinLnBrk="0" hangingPunct="1">
+              <a:lnSpc>
+                <a:spcPct val="90000"/>
+              </a:lnSpc>
+              <a:spcBef>
+                <a:spcPts val="500"/>
+              </a:spcBef>
+              <a:buFont typeface="Arial" panose="020B0604020202020204" pitchFamily="34" charset="0"/>
+              <a:buChar char="•"/>
+              <a:defRPr sz="1800" kern="1200">
+                <a:solidFill>
+                  <a:schemeClr val="tx1"/>
+                </a:solidFill>
+                <a:latin typeface="+mn-lt"/>
+                <a:ea typeface="+mn-ea"/>
+                <a:cs typeface="+mn-cs"/>
+              </a:defRPr>
+            </a:lvl7pPr>
+            <a:lvl8pPr marL="3429000" indent="-228600" algn="l" defTabSz="914400" rtl="0" eaLnBrk="1" latinLnBrk="0" hangingPunct="1">
+              <a:lnSpc>
+                <a:spcPct val="90000"/>
+              </a:lnSpc>
+              <a:spcBef>
+                <a:spcPts val="500"/>
+              </a:spcBef>
+              <a:buFont typeface="Arial" panose="020B0604020202020204" pitchFamily="34" charset="0"/>
+              <a:buChar char="•"/>
+              <a:defRPr sz="1800" kern="1200">
+                <a:solidFill>
+                  <a:schemeClr val="tx1"/>
+                </a:solidFill>
+                <a:latin typeface="+mn-lt"/>
+                <a:ea typeface="+mn-ea"/>
+                <a:cs typeface="+mn-cs"/>
+              </a:defRPr>
+            </a:lvl8pPr>
+            <a:lvl9pPr marL="3886200" indent="-228600" algn="l" defTabSz="914400" rtl="0" eaLnBrk="1" latinLnBrk="0" hangingPunct="1">
+              <a:lnSpc>
+                <a:spcPct val="90000"/>
+              </a:lnSpc>
+              <a:spcBef>
+                <a:spcPts val="500"/>
+              </a:spcBef>
+              <a:buFont typeface="Arial" panose="020B0604020202020204" pitchFamily="34" charset="0"/>
+              <a:buChar char="•"/>
+              <a:defRPr sz="1800" kern="1200">
+                <a:solidFill>
+                  <a:schemeClr val="tx1"/>
+                </a:solidFill>
+                <a:latin typeface="+mn-lt"/>
+                <a:ea typeface="+mn-ea"/>
+                <a:cs typeface="+mn-cs"/>
+              </a:defRPr>
+            </a:lvl9pPr>
+          </a:lstStyle>
+          <a:p>
+            <a:pPr marL="0" indent="0">
+              <a:buFont typeface="Arial" panose="020B0604020202020204" pitchFamily="34" charset="0"/>
+              <a:buNone/>
+            </a:pPr>
+            <a:r>
+              <a:rPr lang="nb-NO" dirty="0" err="1">
+                <a:latin typeface="Courier New" panose="02070309020205020404" pitchFamily="49" charset="0"/>
+                <a:cs typeface="Courier New" panose="02070309020205020404" pitchFamily="49" charset="0"/>
+              </a:rPr>
+              <a:t>Height</a:t>
+            </a:r>
+            <a:r>
+              <a:rPr lang="nb-NO" dirty="0">
+                <a:latin typeface="Courier New" panose="02070309020205020404" pitchFamily="49" charset="0"/>
+                <a:cs typeface="Courier New" panose="02070309020205020404" pitchFamily="49" charset="0"/>
+              </a:rPr>
+              <a:t> 6: </a:t>
+            </a:r>
+          </a:p>
+          <a:p>
+            <a:pPr marL="0" indent="0">
+              <a:buFont typeface="Arial" panose="020B0604020202020204" pitchFamily="34" charset="0"/>
+              <a:buNone/>
+            </a:pPr>
+            <a:r>
+              <a:rPr lang="nb-NO" dirty="0">
+                <a:latin typeface="Courier New" panose="02070309020205020404" pitchFamily="49" charset="0"/>
+                <a:cs typeface="Courier New" panose="02070309020205020404" pitchFamily="49" charset="0"/>
+              </a:rPr>
+              <a:t>     #</a:t>
+            </a:r>
+          </a:p>
+          <a:p>
+            <a:pPr marL="0" indent="0">
+              <a:buFont typeface="Arial" panose="020B0604020202020204" pitchFamily="34" charset="0"/>
+              <a:buNone/>
+            </a:pPr>
+            <a:r>
+              <a:rPr lang="nb-NO" dirty="0">
+                <a:latin typeface="Courier New" panose="02070309020205020404" pitchFamily="49" charset="0"/>
+                <a:cs typeface="Courier New" panose="02070309020205020404" pitchFamily="49" charset="0"/>
+              </a:rPr>
+              <a:t>    ###</a:t>
+            </a:r>
+          </a:p>
+          <a:p>
+            <a:pPr marL="0" indent="0">
+              <a:buFont typeface="Arial" panose="020B0604020202020204" pitchFamily="34" charset="0"/>
+              <a:buNone/>
+            </a:pPr>
+            <a:r>
+              <a:rPr lang="nb-NO" dirty="0">
+                <a:latin typeface="Courier New" panose="02070309020205020404" pitchFamily="49" charset="0"/>
+                <a:cs typeface="Courier New" panose="02070309020205020404" pitchFamily="49" charset="0"/>
+              </a:rPr>
+              <a:t>   #####</a:t>
+            </a:r>
+          </a:p>
+          <a:p>
+            <a:pPr marL="0" indent="0">
+              <a:buFont typeface="Arial" panose="020B0604020202020204" pitchFamily="34" charset="0"/>
+              <a:buNone/>
+            </a:pPr>
+            <a:r>
+              <a:rPr lang="nb-NO" dirty="0">
+                <a:latin typeface="Courier New" panose="02070309020205020404" pitchFamily="49" charset="0"/>
+                <a:cs typeface="Courier New" panose="02070309020205020404" pitchFamily="49" charset="0"/>
+              </a:rPr>
+              <a:t>  #######</a:t>
+            </a:r>
+          </a:p>
+          <a:p>
+            <a:pPr marL="0" indent="0">
+              <a:buFont typeface="Arial" panose="020B0604020202020204" pitchFamily="34" charset="0"/>
+              <a:buNone/>
+            </a:pPr>
+            <a:r>
+              <a:rPr lang="nb-NO" dirty="0">
+                <a:latin typeface="Courier New" panose="02070309020205020404" pitchFamily="49" charset="0"/>
+                <a:cs typeface="Courier New" panose="02070309020205020404" pitchFamily="49" charset="0"/>
+              </a:rPr>
+              <a:t> #########</a:t>
+            </a:r>
+          </a:p>
+          <a:p>
+            <a:pPr marL="0" indent="0">
+              <a:buFont typeface="Arial" panose="020B0604020202020204" pitchFamily="34" charset="0"/>
+              <a:buNone/>
+            </a:pPr>
+            <a:r>
+              <a:rPr lang="nb-NO" dirty="0">
+                <a:latin typeface="Courier New" panose="02070309020205020404" pitchFamily="49" charset="0"/>
+                <a:cs typeface="Courier New" panose="02070309020205020404" pitchFamily="49" charset="0"/>
+              </a:rPr>
+              <a:t>###########</a:t>
+            </a:r>
+          </a:p>
+          <a:p>
+            <a:pPr marL="0" indent="0">
+              <a:buFont typeface="Arial" panose="020B0604020202020204" pitchFamily="34" charset="0"/>
+              <a:buNone/>
+            </a:pPr>
+            <a:r>
+              <a:rPr lang="nb-NO" dirty="0">
+                <a:latin typeface="Courier New" panose="02070309020205020404" pitchFamily="49" charset="0"/>
+                <a:cs typeface="Courier New" panose="02070309020205020404" pitchFamily="49" charset="0"/>
+              </a:rPr>
+              <a:t>     #</a:t>
+            </a:r>
+          </a:p>
+          <a:p>
+            <a:pPr marL="0" indent="0">
+              <a:buFont typeface="Arial" panose="020B0604020202020204" pitchFamily="34" charset="0"/>
+              <a:buNone/>
+            </a:pPr>
+            <a:endParaRPr lang="nb-NO" dirty="0">
+              <a:latin typeface="Courier New" panose="02070309020205020404" pitchFamily="49" charset="0"/>
+              <a:cs typeface="Courier New" panose="02070309020205020404" pitchFamily="49" charset="0"/>
+            </a:endParaRPr>
+          </a:p>
+        </p:txBody>
+      </p:sp>
+    </p:spTree>
+    <p:extLst>
+      <p:ext uri="{BB962C8B-B14F-4D97-AF65-F5344CB8AC3E}">
+        <p14:creationId xmlns:p14="http://schemas.microsoft.com/office/powerpoint/2010/main" val="618328976"/>
+      </p:ext>
+    </p:extLst>
+  </p:cSld>
+  <p:clrMapOvr>
+    <a:masterClrMapping/>
+  </p:clrMapOvr>
+</p:sld>
+</file>
+
+<file path=ppt/slides/slide14.xml><?xml version="1.0" encoding="utf-8"?>
+<p:sld xmlns:a="http://schemas.openxmlformats.org/drawingml/2006/main" xmlns:r="http://schemas.openxmlformats.org/officeDocument/2006/relationships" xmlns:p="http://schemas.openxmlformats.org/presentationml/2006/main">
+  <p:cSld>
+    <p:spTree>
+      <p:nvGrpSpPr>
+        <p:cNvPr id="1" name=""/>
+        <p:cNvGrpSpPr/>
+        <p:nvPr/>
+      </p:nvGrpSpPr>
+      <p:grpSpPr>
+        <a:xfrm>
+          <a:off x="0" y="0"/>
+          <a:ext cx="0" cy="0"/>
+          <a:chOff x="0" y="0"/>
+          <a:chExt cx="0" cy="0"/>
+        </a:xfrm>
+      </p:grpSpPr>
+      <p:sp>
+        <p:nvSpPr>
+          <p:cNvPr id="2" name="Title 1">
+            <a:extLst>
+              <a:ext uri="{FF2B5EF4-FFF2-40B4-BE49-F238E27FC236}">
+                <a16:creationId xmlns:a16="http://schemas.microsoft.com/office/drawing/2014/main" id="{E5BEAD39-4FC0-3FF6-7FD7-C096187C1BC0}"/>
+              </a:ext>
+            </a:extLst>
+          </p:cNvPr>
+          <p:cNvSpPr>
+            <a:spLocks noGrp="1"/>
+          </p:cNvSpPr>
+          <p:nvPr>
+            <p:ph type="title"/>
+          </p:nvPr>
+        </p:nvSpPr>
+        <p:spPr/>
+        <p:txBody>
+          <a:bodyPr/>
+          <a:lstStyle/>
+          <a:p>
+            <a:r>
+              <a:rPr lang="en-US" dirty="0"/>
+              <a:t>Importing Modules</a:t>
+            </a:r>
+            <a:endParaRPr lang="nb-NO" dirty="0"/>
+          </a:p>
+        </p:txBody>
+      </p:sp>
+      <p:sp>
+        <p:nvSpPr>
+          <p:cNvPr id="3" name="Content Placeholder 2">
+            <a:extLst>
+              <a:ext uri="{FF2B5EF4-FFF2-40B4-BE49-F238E27FC236}">
+                <a16:creationId xmlns:a16="http://schemas.microsoft.com/office/drawing/2014/main" id="{64F9F33C-135B-B605-99D1-5F0C8F851523}"/>
+              </a:ext>
+            </a:extLst>
+          </p:cNvPr>
+          <p:cNvSpPr>
+            <a:spLocks noGrp="1"/>
+          </p:cNvSpPr>
+          <p:nvPr>
+            <p:ph idx="1"/>
+          </p:nvPr>
+        </p:nvSpPr>
+        <p:spPr/>
+        <p:txBody>
+          <a:bodyPr/>
+          <a:lstStyle/>
+          <a:p>
+            <a:pPr marL="0" indent="0">
+              <a:buNone/>
+            </a:pPr>
+            <a:r>
+              <a:rPr lang="en-US" dirty="0">
+                <a:latin typeface="Courier New" panose="02070309020205020404" pitchFamily="49" charset="0"/>
+                <a:cs typeface="Courier New" panose="02070309020205020404" pitchFamily="49" charset="0"/>
+              </a:rPr>
+              <a:t>import math</a:t>
+            </a:r>
+          </a:p>
+          <a:p>
+            <a:pPr marL="0" indent="0">
+              <a:buNone/>
+            </a:pPr>
+            <a:r>
+              <a:rPr lang="en-US" dirty="0">
+                <a:latin typeface="Courier New" panose="02070309020205020404" pitchFamily="49" charset="0"/>
+                <a:cs typeface="Courier New" panose="02070309020205020404" pitchFamily="49" charset="0"/>
+              </a:rPr>
+              <a:t>from math import pi</a:t>
+            </a:r>
+          </a:p>
+          <a:p>
+            <a:pPr marL="0" indent="0">
+              <a:buNone/>
+            </a:pPr>
+            <a:r>
+              <a:rPr lang="en-US" dirty="0">
+                <a:latin typeface="Courier New" panose="02070309020205020404" pitchFamily="49" charset="0"/>
+                <a:cs typeface="Courier New" panose="02070309020205020404" pitchFamily="49" charset="0"/>
+              </a:rPr>
+              <a:t>from math import *</a:t>
+            </a:r>
+          </a:p>
+          <a:p>
+            <a:pPr marL="0" indent="0">
+              <a:buNone/>
+            </a:pPr>
+            <a:endParaRPr lang="en-US" dirty="0"/>
+          </a:p>
+          <a:p>
+            <a:pPr marL="0" indent="0">
+              <a:buNone/>
+            </a:pPr>
+            <a:r>
+              <a:rPr lang="nb-NO" dirty="0" err="1"/>
+              <a:t>Available</a:t>
+            </a:r>
+            <a:r>
+              <a:rPr lang="nb-NO" dirty="0"/>
+              <a:t> </a:t>
+            </a:r>
+            <a:r>
+              <a:rPr lang="nb-NO" dirty="0" err="1"/>
+              <a:t>modules</a:t>
+            </a:r>
+            <a:r>
+              <a:rPr lang="nb-NO" dirty="0"/>
+              <a:t> </a:t>
+            </a:r>
+            <a:r>
+              <a:rPr lang="nb-NO" dirty="0" err="1"/>
+              <a:t>are</a:t>
+            </a:r>
+            <a:r>
+              <a:rPr lang="nb-NO" dirty="0"/>
+              <a:t> </a:t>
+            </a:r>
+            <a:r>
+              <a:rPr lang="nb-NO" dirty="0" err="1"/>
+              <a:t>listed</a:t>
+            </a:r>
+            <a:r>
+              <a:rPr lang="nb-NO" dirty="0"/>
+              <a:t> at  </a:t>
+            </a:r>
+            <a:r>
+              <a:rPr lang="nb-NO" dirty="0">
+                <a:latin typeface="Courier New" panose="02070309020205020404" pitchFamily="49" charset="0"/>
+                <a:cs typeface="Courier New" panose="02070309020205020404" pitchFamily="49" charset="0"/>
+              </a:rPr>
+              <a:t>https://pypi.org/</a:t>
+            </a:r>
+            <a:endParaRPr lang="en-US" dirty="0"/>
+          </a:p>
+          <a:p>
+            <a:pPr marL="0" indent="0">
+              <a:buNone/>
+            </a:pPr>
+            <a:r>
+              <a:rPr lang="en-US" dirty="0"/>
+              <a:t>Download with </a:t>
+            </a:r>
+            <a:r>
+              <a:rPr lang="en-US" dirty="0">
+                <a:latin typeface="Courier New" panose="02070309020205020404" pitchFamily="49" charset="0"/>
+                <a:cs typeface="Courier New" panose="02070309020205020404" pitchFamily="49" charset="0"/>
+              </a:rPr>
+              <a:t>pip install 	</a:t>
+            </a:r>
+          </a:p>
+        </p:txBody>
+      </p:sp>
+    </p:spTree>
+    <p:extLst>
+      <p:ext uri="{BB962C8B-B14F-4D97-AF65-F5344CB8AC3E}">
+        <p14:creationId xmlns:p14="http://schemas.microsoft.com/office/powerpoint/2010/main" val="3373857705"/>
+      </p:ext>
+    </p:extLst>
+  </p:cSld>
+  <p:clrMapOvr>
+    <a:masterClrMapping/>
+  </p:clrMapOvr>
+</p:sld>
+</file>
+
+<file path=ppt/slides/slide15.xml><?xml version="1.0" encoding="utf-8"?>
+<p:sld xmlns:a="http://schemas.openxmlformats.org/drawingml/2006/main" xmlns:r="http://schemas.openxmlformats.org/officeDocument/2006/relationships" xmlns:p="http://schemas.openxmlformats.org/presentationml/2006/main">
+  <p:cSld>
+    <p:spTree>
+      <p:nvGrpSpPr>
+        <p:cNvPr id="1" name=""/>
+        <p:cNvGrpSpPr/>
+        <p:nvPr/>
+      </p:nvGrpSpPr>
+      <p:grpSpPr>
+        <a:xfrm>
+          <a:off x="0" y="0"/>
+          <a:ext cx="0" cy="0"/>
+          <a:chOff x="0" y="0"/>
+          <a:chExt cx="0" cy="0"/>
+        </a:xfrm>
+      </p:grpSpPr>
+      <p:sp>
+        <p:nvSpPr>
+          <p:cNvPr id="2" name="Title 1">
+            <a:extLst>
+              <a:ext uri="{FF2B5EF4-FFF2-40B4-BE49-F238E27FC236}">
+                <a16:creationId xmlns:a16="http://schemas.microsoft.com/office/drawing/2014/main" id="{3014202A-52F0-1E0C-7761-F80A6025900E}"/>
+              </a:ext>
+            </a:extLst>
+          </p:cNvPr>
+          <p:cNvSpPr>
+            <a:spLocks noGrp="1"/>
+          </p:cNvSpPr>
+          <p:nvPr>
+            <p:ph type="title"/>
+          </p:nvPr>
+        </p:nvSpPr>
+        <p:spPr/>
+        <p:txBody>
+          <a:bodyPr/>
+          <a:lstStyle/>
+          <a:p>
+            <a:r>
+              <a:rPr lang="en-US" dirty="0"/>
+              <a:t>REST APIS</a:t>
+            </a:r>
+            <a:endParaRPr lang="nb-NO" dirty="0"/>
+          </a:p>
+        </p:txBody>
+      </p:sp>
+      <p:sp>
+        <p:nvSpPr>
+          <p:cNvPr id="3" name="Content Placeholder 2">
+            <a:extLst>
+              <a:ext uri="{FF2B5EF4-FFF2-40B4-BE49-F238E27FC236}">
+                <a16:creationId xmlns:a16="http://schemas.microsoft.com/office/drawing/2014/main" id="{1E067EF3-1555-448B-5629-83B8C38A102F}"/>
+              </a:ext>
+            </a:extLst>
+          </p:cNvPr>
+          <p:cNvSpPr>
+            <a:spLocks noGrp="1"/>
+          </p:cNvSpPr>
+          <p:nvPr>
+            <p:ph idx="1"/>
+          </p:nvPr>
+        </p:nvSpPr>
+        <p:spPr/>
+        <p:txBody>
+          <a:bodyPr>
+            <a:normAutofit fontScale="92500" lnSpcReduction="20000"/>
+          </a:bodyPr>
+          <a:lstStyle/>
+          <a:p>
+            <a:pPr marL="0" indent="0">
+              <a:buNone/>
+            </a:pPr>
+            <a:r>
+              <a:rPr lang="en-US" dirty="0"/>
+              <a:t>	http://ip-api.com/json/195.1.207.138</a:t>
+            </a:r>
+          </a:p>
+          <a:p>
+            <a:pPr marL="0" indent="0">
+              <a:buNone/>
+            </a:pPr>
+            <a:r>
+              <a:rPr lang="en-US" dirty="0"/>
+              <a:t>	http://ip-api.com/xml/195.1.207.138</a:t>
+            </a:r>
+          </a:p>
+          <a:p>
+            <a:pPr marL="0" indent="0">
+              <a:buNone/>
+            </a:pPr>
+            <a:r>
+              <a:rPr lang="en-US" dirty="0"/>
+              <a:t>	http://ip-api.com/csv/195.1.207.138</a:t>
+            </a:r>
+          </a:p>
+          <a:p>
+            <a:pPr marL="0" indent="0">
+              <a:buNone/>
+            </a:pPr>
+            <a:endParaRPr lang="nb-NO" dirty="0"/>
+          </a:p>
+          <a:p>
+            <a:pPr marL="0" indent="0">
+              <a:buNone/>
+            </a:pPr>
+            <a:r>
+              <a:rPr lang="nb-NO" dirty="0">
+                <a:hlinkClick r:id="rId2"/>
+              </a:rPr>
+              <a:t>https://api.dictionaryapi.dev/api/v2/entries/en/pancake</a:t>
+            </a:r>
+            <a:endParaRPr lang="nb-NO" dirty="0"/>
+          </a:p>
+          <a:p>
+            <a:pPr marL="0" indent="0">
+              <a:buNone/>
+            </a:pPr>
+            <a:r>
+              <a:rPr lang="nb-NO" dirty="0">
+                <a:hlinkClick r:id="rId3"/>
+              </a:rPr>
+              <a:t>http://universities.hipolabs.com/search?name=norway</a:t>
+            </a:r>
+            <a:r>
+              <a:rPr lang="nb-NO" dirty="0"/>
+              <a:t> </a:t>
+            </a:r>
+          </a:p>
+          <a:p>
+            <a:pPr marL="0" indent="0">
+              <a:buNone/>
+            </a:pPr>
+            <a:endParaRPr lang="nb-NO" dirty="0"/>
+          </a:p>
+          <a:p>
+            <a:pPr marL="0" indent="0">
+              <a:buNone/>
+            </a:pPr>
+            <a:r>
+              <a:rPr lang="nb-NO" dirty="0"/>
+              <a:t>1. Lag en test for et antall </a:t>
+            </a:r>
+            <a:r>
+              <a:rPr lang="nb-NO" dirty="0" err="1"/>
+              <a:t>ip.adresser</a:t>
+            </a:r>
+            <a:r>
+              <a:rPr lang="nb-NO" dirty="0"/>
+              <a:t>. Krev at land er definert</a:t>
+            </a:r>
+          </a:p>
+          <a:p>
+            <a:pPr marL="0" indent="0">
+              <a:buNone/>
+            </a:pPr>
+            <a:r>
+              <a:rPr lang="nb-NO" dirty="0"/>
+              <a:t>2. Lag en test for et antall ord. Krev at de har en fonetisk definisjon</a:t>
+            </a:r>
+          </a:p>
+          <a:p>
+            <a:pPr marL="0" indent="0">
+              <a:buNone/>
+            </a:pPr>
+            <a:r>
+              <a:rPr lang="nb-NO" dirty="0"/>
+              <a:t>3, Søk etter universiteter som inneholder en valgt streng, og sjekk at alle har et navn</a:t>
+            </a:r>
+          </a:p>
+          <a:p>
+            <a:pPr marL="0" indent="0">
+              <a:buNone/>
+            </a:pPr>
+            <a:endParaRPr lang="nb-NO" dirty="0"/>
+          </a:p>
+        </p:txBody>
+      </p:sp>
+    </p:spTree>
+    <p:extLst>
+      <p:ext uri="{BB962C8B-B14F-4D97-AF65-F5344CB8AC3E}">
+        <p14:creationId xmlns:p14="http://schemas.microsoft.com/office/powerpoint/2010/main" val="3528523673"/>
       </p:ext>
     </p:extLst>
   </p:cSld>

--- a/PythonForTestere.pptx
+++ b/PythonForTestere.pptx
@@ -5,7 +5,7 @@
     <p:sldMasterId id="2147483648" r:id="rId1"/>
   </p:sldMasterIdLst>
   <p:notesMasterIdLst>
-    <p:notesMasterId r:id="rId17"/>
+    <p:notesMasterId r:id="rId18"/>
   </p:notesMasterIdLst>
   <p:sldIdLst>
     <p:sldId id="256" r:id="rId2"/>
@@ -23,6 +23,7 @@
     <p:sldId id="270" r:id="rId14"/>
     <p:sldId id="272" r:id="rId15"/>
     <p:sldId id="273" r:id="rId16"/>
+    <p:sldId id="274" r:id="rId17"/>
   </p:sldIdLst>
   <p:sldSz cx="12192000" cy="6858000"/>
   <p:notesSz cx="6858000" cy="9144000"/>
@@ -211,7 +212,7 @@
           <a:p>
             <a:fld id="{7D3F7460-931B-4A2D-A308-85061EA3517E}" type="datetimeFigureOut">
               <a:rPr lang="nb-NO" smtClean="0"/>
-              <a:t>15.05.2025</a:t>
+              <a:t>20.05.2025</a:t>
             </a:fld>
             <a:endParaRPr lang="nb-NO"/>
           </a:p>
@@ -628,7 +629,7 @@
           <a:p>
             <a:fld id="{4845AEC2-F393-49E6-9D9D-A942C4543987}" type="datetimeFigureOut">
               <a:rPr lang="nb-NO" smtClean="0"/>
-              <a:t>15.05.2025</a:t>
+              <a:t>20.05.2025</a:t>
             </a:fld>
             <a:endParaRPr lang="nb-NO"/>
           </a:p>
@@ -828,7 +829,7 @@
           <a:p>
             <a:fld id="{4845AEC2-F393-49E6-9D9D-A942C4543987}" type="datetimeFigureOut">
               <a:rPr lang="nb-NO" smtClean="0"/>
-              <a:t>15.05.2025</a:t>
+              <a:t>20.05.2025</a:t>
             </a:fld>
             <a:endParaRPr lang="nb-NO"/>
           </a:p>
@@ -1038,7 +1039,7 @@
           <a:p>
             <a:fld id="{4845AEC2-F393-49E6-9D9D-A942C4543987}" type="datetimeFigureOut">
               <a:rPr lang="nb-NO" smtClean="0"/>
-              <a:t>15.05.2025</a:t>
+              <a:t>20.05.2025</a:t>
             </a:fld>
             <a:endParaRPr lang="nb-NO"/>
           </a:p>
@@ -1238,7 +1239,7 @@
           <a:p>
             <a:fld id="{4845AEC2-F393-49E6-9D9D-A942C4543987}" type="datetimeFigureOut">
               <a:rPr lang="nb-NO" smtClean="0"/>
-              <a:t>15.05.2025</a:t>
+              <a:t>20.05.2025</a:t>
             </a:fld>
             <a:endParaRPr lang="nb-NO"/>
           </a:p>
@@ -1514,7 +1515,7 @@
           <a:p>
             <a:fld id="{4845AEC2-F393-49E6-9D9D-A942C4543987}" type="datetimeFigureOut">
               <a:rPr lang="nb-NO" smtClean="0"/>
-              <a:t>15.05.2025</a:t>
+              <a:t>20.05.2025</a:t>
             </a:fld>
             <a:endParaRPr lang="nb-NO"/>
           </a:p>
@@ -1782,7 +1783,7 @@
           <a:p>
             <a:fld id="{4845AEC2-F393-49E6-9D9D-A942C4543987}" type="datetimeFigureOut">
               <a:rPr lang="nb-NO" smtClean="0"/>
-              <a:t>15.05.2025</a:t>
+              <a:t>20.05.2025</a:t>
             </a:fld>
             <a:endParaRPr lang="nb-NO"/>
           </a:p>
@@ -2197,7 +2198,7 @@
           <a:p>
             <a:fld id="{4845AEC2-F393-49E6-9D9D-A942C4543987}" type="datetimeFigureOut">
               <a:rPr lang="nb-NO" smtClean="0"/>
-              <a:t>15.05.2025</a:t>
+              <a:t>20.05.2025</a:t>
             </a:fld>
             <a:endParaRPr lang="nb-NO"/>
           </a:p>
@@ -2339,7 +2340,7 @@
           <a:p>
             <a:fld id="{4845AEC2-F393-49E6-9D9D-A942C4543987}" type="datetimeFigureOut">
               <a:rPr lang="nb-NO" smtClean="0"/>
-              <a:t>15.05.2025</a:t>
+              <a:t>20.05.2025</a:t>
             </a:fld>
             <a:endParaRPr lang="nb-NO"/>
           </a:p>
@@ -2452,7 +2453,7 @@
           <a:p>
             <a:fld id="{4845AEC2-F393-49E6-9D9D-A942C4543987}" type="datetimeFigureOut">
               <a:rPr lang="nb-NO" smtClean="0"/>
-              <a:t>15.05.2025</a:t>
+              <a:t>20.05.2025</a:t>
             </a:fld>
             <a:endParaRPr lang="nb-NO"/>
           </a:p>
@@ -2765,7 +2766,7 @@
           <a:p>
             <a:fld id="{4845AEC2-F393-49E6-9D9D-A942C4543987}" type="datetimeFigureOut">
               <a:rPr lang="nb-NO" smtClean="0"/>
-              <a:t>15.05.2025</a:t>
+              <a:t>20.05.2025</a:t>
             </a:fld>
             <a:endParaRPr lang="nb-NO"/>
           </a:p>
@@ -3054,7 +3055,7 @@
           <a:p>
             <a:fld id="{4845AEC2-F393-49E6-9D9D-A942C4543987}" type="datetimeFigureOut">
               <a:rPr lang="nb-NO" smtClean="0"/>
-              <a:t>15.05.2025</a:t>
+              <a:t>20.05.2025</a:t>
             </a:fld>
             <a:endParaRPr lang="nb-NO"/>
           </a:p>
@@ -3302,7 +3303,7 @@
           <a:p>
             <a:fld id="{4845AEC2-F393-49E6-9D9D-A942C4543987}" type="datetimeFigureOut">
               <a:rPr lang="nb-NO" smtClean="0"/>
-              <a:t>15.05.2025</a:t>
+              <a:t>20.05.2025</a:t>
             </a:fld>
             <a:endParaRPr lang="nb-NO"/>
           </a:p>
@@ -6033,6 +6034,253 @@
     <p:extLst>
       <p:ext uri="{BB962C8B-B14F-4D97-AF65-F5344CB8AC3E}">
         <p14:creationId xmlns:p14="http://schemas.microsoft.com/office/powerpoint/2010/main" val="3528523673"/>
+      </p:ext>
+    </p:extLst>
+  </p:cSld>
+  <p:clrMapOvr>
+    <a:masterClrMapping/>
+  </p:clrMapOvr>
+</p:sld>
+</file>
+
+<file path=ppt/slides/slide16.xml><?xml version="1.0" encoding="utf-8"?>
+<p:sld xmlns:a="http://schemas.openxmlformats.org/drawingml/2006/main" xmlns:r="http://schemas.openxmlformats.org/officeDocument/2006/relationships" xmlns:p="http://schemas.openxmlformats.org/presentationml/2006/main">
+  <p:cSld>
+    <p:spTree>
+      <p:nvGrpSpPr>
+        <p:cNvPr id="1" name=""/>
+        <p:cNvGrpSpPr/>
+        <p:nvPr/>
+      </p:nvGrpSpPr>
+      <p:grpSpPr>
+        <a:xfrm>
+          <a:off x="0" y="0"/>
+          <a:ext cx="0" cy="0"/>
+          <a:chOff x="0" y="0"/>
+          <a:chExt cx="0" cy="0"/>
+        </a:xfrm>
+      </p:grpSpPr>
+      <p:sp>
+        <p:nvSpPr>
+          <p:cNvPr id="2" name="Title 1">
+            <a:extLst>
+              <a:ext uri="{FF2B5EF4-FFF2-40B4-BE49-F238E27FC236}">
+                <a16:creationId xmlns:a16="http://schemas.microsoft.com/office/drawing/2014/main" id="{F606A85F-C089-90DC-9F3B-AD9E10C88DAC}"/>
+              </a:ext>
+            </a:extLst>
+          </p:cNvPr>
+          <p:cNvSpPr>
+            <a:spLocks noGrp="1"/>
+          </p:cNvSpPr>
+          <p:nvPr>
+            <p:ph type="title"/>
+          </p:nvPr>
+        </p:nvSpPr>
+        <p:spPr/>
+        <p:txBody>
+          <a:bodyPr/>
+          <a:lstStyle/>
+          <a:p>
+            <a:r>
+              <a:rPr lang="en-US" dirty="0"/>
+              <a:t>Exercise</a:t>
+            </a:r>
+            <a:endParaRPr lang="nb-NO" dirty="0"/>
+          </a:p>
+        </p:txBody>
+      </p:sp>
+      <p:sp>
+        <p:nvSpPr>
+          <p:cNvPr id="3" name="Content Placeholder 2">
+            <a:extLst>
+              <a:ext uri="{FF2B5EF4-FFF2-40B4-BE49-F238E27FC236}">
+                <a16:creationId xmlns:a16="http://schemas.microsoft.com/office/drawing/2014/main" id="{3F373A33-2ECE-B945-4B28-A15B65CDC076}"/>
+              </a:ext>
+            </a:extLst>
+          </p:cNvPr>
+          <p:cNvSpPr>
+            <a:spLocks noGrp="1"/>
+          </p:cNvSpPr>
+          <p:nvPr>
+            <p:ph idx="1"/>
+          </p:nvPr>
+        </p:nvSpPr>
+        <p:spPr>
+          <a:xfrm>
+            <a:off x="838200" y="1825625"/>
+            <a:ext cx="10515600" cy="4351338"/>
+          </a:xfrm>
+        </p:spPr>
+        <p:txBody>
+          <a:bodyPr/>
+          <a:lstStyle/>
+          <a:p>
+            <a:pPr marL="0" indent="0">
+              <a:buNone/>
+            </a:pPr>
+            <a:r>
+              <a:rPr lang="en-US" dirty="0"/>
+              <a:t>Get all US car manufacturers and ID from </a:t>
+            </a:r>
+          </a:p>
+          <a:p>
+            <a:pPr marL="0" indent="0">
+              <a:buNone/>
+            </a:pPr>
+            <a:r>
+              <a:rPr lang="en-US" dirty="0"/>
+              <a:t>https://vpic.nhtsa.dot.gov/api/vehicles/getallmakes?format=json</a:t>
+            </a:r>
+          </a:p>
+          <a:p>
+            <a:pPr marL="0" indent="0">
+              <a:buNone/>
+            </a:pPr>
+            <a:endParaRPr lang="en-US" dirty="0"/>
+          </a:p>
+          <a:p>
+            <a:pPr marL="0" indent="0">
+              <a:buNone/>
+            </a:pPr>
+            <a:r>
+              <a:rPr lang="nb-NO" dirty="0"/>
+              <a:t>Make a Python </a:t>
+            </a:r>
+            <a:r>
+              <a:rPr lang="nb-NO" dirty="0" err="1"/>
+              <a:t>dictonary</a:t>
+            </a:r>
+            <a:r>
+              <a:rPr lang="nb-NO" dirty="0"/>
+              <a:t> </a:t>
+            </a:r>
+            <a:r>
+              <a:rPr lang="nb-NO" dirty="0" err="1"/>
+              <a:t>where</a:t>
+            </a:r>
+            <a:r>
+              <a:rPr lang="nb-NO" dirty="0"/>
+              <a:t> </a:t>
+            </a:r>
+            <a:r>
+              <a:rPr lang="nb-NO" dirty="0" err="1"/>
+              <a:t>the</a:t>
+            </a:r>
+            <a:r>
+              <a:rPr lang="nb-NO" dirty="0"/>
+              <a:t> ID </a:t>
+            </a:r>
+            <a:r>
+              <a:rPr lang="nb-NO" dirty="0" err="1"/>
+              <a:t>can</a:t>
+            </a:r>
+            <a:r>
+              <a:rPr lang="nb-NO" dirty="0"/>
+              <a:t> be </a:t>
+            </a:r>
+            <a:r>
+              <a:rPr lang="nb-NO" dirty="0" err="1"/>
+              <a:t>looked</a:t>
+            </a:r>
+            <a:r>
+              <a:rPr lang="nb-NO" dirty="0"/>
+              <a:t> up from </a:t>
+            </a:r>
+            <a:r>
+              <a:rPr lang="nb-NO" dirty="0" err="1"/>
+              <a:t>the</a:t>
+            </a:r>
+            <a:r>
+              <a:rPr lang="nb-NO" dirty="0"/>
+              <a:t> </a:t>
+            </a:r>
+            <a:r>
+              <a:rPr lang="nb-NO" dirty="0" err="1"/>
+              <a:t>name</a:t>
+            </a:r>
+            <a:r>
+              <a:rPr lang="nb-NO" dirty="0"/>
+              <a:t>. It </a:t>
+            </a:r>
+            <a:r>
+              <a:rPr lang="nb-NO" dirty="0" err="1"/>
+              <a:t>should</a:t>
+            </a:r>
+            <a:r>
+              <a:rPr lang="nb-NO" dirty="0"/>
+              <a:t> be </a:t>
+            </a:r>
+            <a:r>
+              <a:rPr lang="nb-NO" dirty="0" err="1"/>
+              <a:t>possile</a:t>
+            </a:r>
+            <a:r>
+              <a:rPr lang="nb-NO" dirty="0"/>
+              <a:t> to </a:t>
+            </a:r>
+            <a:r>
+              <a:rPr lang="nb-NO" dirty="0" err="1"/>
+              <a:t>look</a:t>
+            </a:r>
+            <a:r>
+              <a:rPr lang="nb-NO" dirty="0"/>
+              <a:t> up ID like </a:t>
+            </a:r>
+            <a:r>
+              <a:rPr lang="nb-NO" dirty="0" err="1"/>
+              <a:t>this</a:t>
+            </a:r>
+            <a:r>
+              <a:rPr lang="nb-NO" dirty="0"/>
+              <a:t>. </a:t>
+            </a:r>
+          </a:p>
+          <a:p>
+            <a:pPr marL="0" indent="0">
+              <a:buNone/>
+            </a:pPr>
+            <a:r>
+              <a:rPr lang="nb-NO" dirty="0"/>
+              <a:t>	</a:t>
+            </a:r>
+            <a:r>
+              <a:rPr lang="nb-NO" dirty="0" err="1"/>
+              <a:t>CarID</a:t>
+            </a:r>
+            <a:r>
+              <a:rPr lang="nb-NO" dirty="0"/>
+              <a:t>["Volvo"] </a:t>
+            </a:r>
+          </a:p>
+          <a:p>
+            <a:pPr marL="0" indent="0">
+              <a:buNone/>
+            </a:pPr>
+            <a:endParaRPr lang="nb-NO" dirty="0"/>
+          </a:p>
+          <a:p>
+            <a:pPr marL="0" indent="0">
+              <a:buNone/>
+            </a:pPr>
+            <a:r>
+              <a:rPr lang="nb-NO" dirty="0"/>
+              <a:t>Save </a:t>
+            </a:r>
+            <a:r>
+              <a:rPr lang="nb-NO" dirty="0" err="1"/>
+              <a:t>the</a:t>
+            </a:r>
+            <a:r>
+              <a:rPr lang="nb-NO" dirty="0"/>
+              <a:t> Dictionary to disk as a JSON file.</a:t>
+            </a:r>
+          </a:p>
+        </p:txBody>
+      </p:sp>
+    </p:spTree>
+    <p:extLst>
+      <p:ext uri="{BB962C8B-B14F-4D97-AF65-F5344CB8AC3E}">
+        <p14:creationId xmlns:p14="http://schemas.microsoft.com/office/powerpoint/2010/main" val="2132592561"/>
       </p:ext>
     </p:extLst>
   </p:cSld>

--- a/PythonForTestere.pptx
+++ b/PythonForTestere.pptx
@@ -5,7 +5,7 @@
     <p:sldMasterId id="2147483648" r:id="rId1"/>
   </p:sldMasterIdLst>
   <p:notesMasterIdLst>
-    <p:notesMasterId r:id="rId18"/>
+    <p:notesMasterId r:id="rId19"/>
   </p:notesMasterIdLst>
   <p:sldIdLst>
     <p:sldId id="256" r:id="rId2"/>
@@ -24,6 +24,7 @@
     <p:sldId id="272" r:id="rId15"/>
     <p:sldId id="273" r:id="rId16"/>
     <p:sldId id="274" r:id="rId17"/>
+    <p:sldId id="275" r:id="rId18"/>
   </p:sldIdLst>
   <p:sldSz cx="12192000" cy="6858000"/>
   <p:notesSz cx="6858000" cy="9144000"/>
@@ -6249,7 +6250,7 @@
             </a:r>
             <a:r>
               <a:rPr lang="nb-NO" dirty="0"/>
-              <a:t>["Volvo"] </a:t>
+              <a:t>["VOLVO"] </a:t>
             </a:r>
           </a:p>
           <a:p>
@@ -6281,6 +6282,278 @@
     <p:extLst>
       <p:ext uri="{BB962C8B-B14F-4D97-AF65-F5344CB8AC3E}">
         <p14:creationId xmlns:p14="http://schemas.microsoft.com/office/powerpoint/2010/main" val="2132592561"/>
+      </p:ext>
+    </p:extLst>
+  </p:cSld>
+  <p:clrMapOvr>
+    <a:masterClrMapping/>
+  </p:clrMapOvr>
+</p:sld>
+</file>
+
+<file path=ppt/slides/slide17.xml><?xml version="1.0" encoding="utf-8"?>
+<p:sld xmlns:a="http://schemas.openxmlformats.org/drawingml/2006/main" xmlns:r="http://schemas.openxmlformats.org/officeDocument/2006/relationships" xmlns:p="http://schemas.openxmlformats.org/presentationml/2006/main">
+  <p:cSld>
+    <p:spTree>
+      <p:nvGrpSpPr>
+        <p:cNvPr id="1" name=""/>
+        <p:cNvGrpSpPr/>
+        <p:nvPr/>
+      </p:nvGrpSpPr>
+      <p:grpSpPr>
+        <a:xfrm>
+          <a:off x="0" y="0"/>
+          <a:ext cx="0" cy="0"/>
+          <a:chOff x="0" y="0"/>
+          <a:chExt cx="0" cy="0"/>
+        </a:xfrm>
+      </p:grpSpPr>
+      <p:sp>
+        <p:nvSpPr>
+          <p:cNvPr id="2" name="Title 1">
+            <a:extLst>
+              <a:ext uri="{FF2B5EF4-FFF2-40B4-BE49-F238E27FC236}">
+                <a16:creationId xmlns:a16="http://schemas.microsoft.com/office/drawing/2014/main" id="{0A97D013-3A67-790D-095A-AB71E8538C63}"/>
+              </a:ext>
+            </a:extLst>
+          </p:cNvPr>
+          <p:cNvSpPr>
+            <a:spLocks noGrp="1"/>
+          </p:cNvSpPr>
+          <p:nvPr>
+            <p:ph type="title"/>
+          </p:nvPr>
+        </p:nvSpPr>
+        <p:spPr/>
+        <p:txBody>
+          <a:bodyPr/>
+          <a:lstStyle/>
+          <a:p>
+            <a:r>
+              <a:rPr lang="en-US" dirty="0"/>
+              <a:t>Exercise</a:t>
+            </a:r>
+            <a:endParaRPr lang="nb-NO" dirty="0"/>
+          </a:p>
+        </p:txBody>
+      </p:sp>
+      <p:sp>
+        <p:nvSpPr>
+          <p:cNvPr id="3" name="Content Placeholder 2">
+            <a:extLst>
+              <a:ext uri="{FF2B5EF4-FFF2-40B4-BE49-F238E27FC236}">
+                <a16:creationId xmlns:a16="http://schemas.microsoft.com/office/drawing/2014/main" id="{A8281A7C-441F-6C97-D51E-C70E196FFC9F}"/>
+              </a:ext>
+            </a:extLst>
+          </p:cNvPr>
+          <p:cNvSpPr>
+            <a:spLocks noGrp="1"/>
+          </p:cNvSpPr>
+          <p:nvPr>
+            <p:ph idx="1"/>
+          </p:nvPr>
+        </p:nvSpPr>
+        <p:spPr/>
+        <p:txBody>
+          <a:bodyPr/>
+          <a:lstStyle/>
+          <a:p>
+            <a:pPr marL="0" indent="0">
+              <a:buNone/>
+            </a:pPr>
+            <a:r>
+              <a:rPr lang="en-US" dirty="0"/>
+              <a:t>Loop through all car manufacturers from the previous exercise, and get the models using the following REST API (example for ID 440):</a:t>
+            </a:r>
+          </a:p>
+          <a:p>
+            <a:pPr marL="0" indent="0">
+              <a:buNone/>
+            </a:pPr>
+            <a:r>
+              <a:rPr lang="nb-NO" dirty="0">
+                <a:hlinkClick r:id="rId2"/>
+              </a:rPr>
+              <a:t>vpic.nhtsa.dot.gov/</a:t>
+            </a:r>
+            <a:r>
+              <a:rPr lang="nb-NO" dirty="0" err="1">
+                <a:hlinkClick r:id="rId2"/>
+              </a:rPr>
+              <a:t>api</a:t>
+            </a:r>
+            <a:r>
+              <a:rPr lang="nb-NO" dirty="0">
+                <a:hlinkClick r:id="rId2"/>
+              </a:rPr>
+              <a:t>/</a:t>
+            </a:r>
+            <a:r>
+              <a:rPr lang="nb-NO" dirty="0" err="1">
+                <a:hlinkClick r:id="rId2"/>
+              </a:rPr>
+              <a:t>vehicles</a:t>
+            </a:r>
+            <a:r>
+              <a:rPr lang="nb-NO" dirty="0">
+                <a:hlinkClick r:id="rId2"/>
+              </a:rPr>
+              <a:t>/</a:t>
+            </a:r>
+            <a:r>
+              <a:rPr lang="nb-NO" dirty="0" err="1">
+                <a:hlinkClick r:id="rId2"/>
+              </a:rPr>
+              <a:t>GetModelsForMakeId</a:t>
+            </a:r>
+            <a:r>
+              <a:rPr lang="nb-NO" dirty="0">
+                <a:hlinkClick r:id="rId2"/>
+              </a:rPr>
+              <a:t>/440?format=</a:t>
+            </a:r>
+            <a:r>
+              <a:rPr lang="nb-NO" dirty="0" err="1">
+                <a:hlinkClick r:id="rId2"/>
+              </a:rPr>
+              <a:t>json</a:t>
+            </a:r>
+            <a:endParaRPr lang="nb-NO" dirty="0"/>
+          </a:p>
+          <a:p>
+            <a:pPr marL="0" indent="0">
+              <a:buNone/>
+            </a:pPr>
+            <a:endParaRPr lang="nb-NO" dirty="0"/>
+          </a:p>
+          <a:p>
+            <a:pPr marL="0" indent="0">
+              <a:buNone/>
+            </a:pPr>
+            <a:r>
+              <a:rPr lang="nb-NO" dirty="0"/>
+              <a:t>Test </a:t>
+            </a:r>
+            <a:r>
+              <a:rPr lang="nb-NO" dirty="0" err="1"/>
+              <a:t>that</a:t>
+            </a:r>
+            <a:r>
+              <a:rPr lang="nb-NO" dirty="0"/>
+              <a:t> </a:t>
+            </a:r>
+            <a:r>
+              <a:rPr lang="nb-NO" dirty="0" err="1"/>
+              <a:t>number</a:t>
+            </a:r>
+            <a:r>
+              <a:rPr lang="nb-NO" dirty="0"/>
+              <a:t> </a:t>
+            </a:r>
+            <a:r>
+              <a:rPr lang="nb-NO" dirty="0" err="1"/>
+              <a:t>of</a:t>
+            </a:r>
+            <a:r>
+              <a:rPr lang="nb-NO" dirty="0"/>
+              <a:t> </a:t>
+            </a:r>
+            <a:r>
+              <a:rPr lang="nb-NO" dirty="0" err="1"/>
+              <a:t>models</a:t>
+            </a:r>
+            <a:r>
+              <a:rPr lang="nb-NO" dirty="0"/>
+              <a:t> in </a:t>
+            </a:r>
+            <a:r>
+              <a:rPr lang="nb-NO" dirty="0" err="1"/>
+              <a:t>the</a:t>
+            </a:r>
+            <a:r>
+              <a:rPr lang="nb-NO" dirty="0"/>
+              <a:t> header is </a:t>
+            </a:r>
+            <a:r>
+              <a:rPr lang="nb-NO" dirty="0" err="1"/>
+              <a:t>equal</a:t>
+            </a:r>
+            <a:r>
+              <a:rPr lang="nb-NO" dirty="0"/>
+              <a:t> to </a:t>
+            </a:r>
+            <a:r>
+              <a:rPr lang="nb-NO" dirty="0" err="1"/>
+              <a:t>the</a:t>
+            </a:r>
+            <a:r>
+              <a:rPr lang="nb-NO" dirty="0"/>
+              <a:t> </a:t>
+            </a:r>
+            <a:r>
+              <a:rPr lang="nb-NO" dirty="0" err="1"/>
+              <a:t>number</a:t>
+            </a:r>
+            <a:r>
+              <a:rPr lang="nb-NO" dirty="0"/>
+              <a:t> </a:t>
+            </a:r>
+            <a:r>
+              <a:rPr lang="nb-NO" dirty="0" err="1"/>
+              <a:t>of</a:t>
+            </a:r>
+            <a:r>
+              <a:rPr lang="nb-NO" dirty="0"/>
+              <a:t> </a:t>
+            </a:r>
+            <a:r>
+              <a:rPr lang="nb-NO" dirty="0" err="1"/>
+              <a:t>models</a:t>
+            </a:r>
+            <a:r>
+              <a:rPr lang="nb-NO" dirty="0"/>
+              <a:t> in </a:t>
+            </a:r>
+            <a:r>
+              <a:rPr lang="nb-NO" dirty="0" err="1"/>
+              <a:t>the</a:t>
+            </a:r>
+            <a:r>
+              <a:rPr lang="nb-NO" dirty="0"/>
+              <a:t> </a:t>
+            </a:r>
+            <a:r>
+              <a:rPr lang="nb-NO" dirty="0" err="1"/>
+              <a:t>actual</a:t>
+            </a:r>
+            <a:r>
+              <a:rPr lang="nb-NO" dirty="0"/>
+              <a:t> data. </a:t>
+            </a:r>
+          </a:p>
+          <a:p>
+            <a:pPr marL="0" indent="0">
+              <a:buNone/>
+            </a:pPr>
+            <a:r>
+              <a:rPr lang="nb-NO" dirty="0"/>
+              <a:t>Write </a:t>
+            </a:r>
+            <a:r>
+              <a:rPr lang="nb-NO" dirty="0" err="1"/>
+              <a:t>results</a:t>
+            </a:r>
+            <a:r>
+              <a:rPr lang="nb-NO" dirty="0"/>
+              <a:t> to a CSV file. (e.g. "VOLVO", "PASSED" ) </a:t>
+            </a:r>
+          </a:p>
+        </p:txBody>
+      </p:sp>
+    </p:spTree>
+    <p:extLst>
+      <p:ext uri="{BB962C8B-B14F-4D97-AF65-F5344CB8AC3E}">
+        <p14:creationId xmlns:p14="http://schemas.microsoft.com/office/powerpoint/2010/main" val="2616634405"/>
       </p:ext>
     </p:extLst>
   </p:cSld>

--- a/PythonForTestere.pptx
+++ b/PythonForTestere.pptx
@@ -5,7 +5,7 @@
     <p:sldMasterId id="2147483648" r:id="rId1"/>
   </p:sldMasterIdLst>
   <p:notesMasterIdLst>
-    <p:notesMasterId r:id="rId19"/>
+    <p:notesMasterId r:id="rId23"/>
   </p:notesMasterIdLst>
   <p:sldIdLst>
     <p:sldId id="256" r:id="rId2"/>
@@ -25,6 +25,10 @@
     <p:sldId id="273" r:id="rId16"/>
     <p:sldId id="274" r:id="rId17"/>
     <p:sldId id="275" r:id="rId18"/>
+    <p:sldId id="276" r:id="rId19"/>
+    <p:sldId id="277" r:id="rId20"/>
+    <p:sldId id="278" r:id="rId21"/>
+    <p:sldId id="279" r:id="rId22"/>
   </p:sldIdLst>
   <p:sldSz cx="12192000" cy="6858000"/>
   <p:notesSz cx="6858000" cy="9144000"/>
@@ -6363,7 +6367,7 @@
             </a:pPr>
             <a:r>
               <a:rPr lang="en-US" dirty="0"/>
-              <a:t>Loop through all car manufacturers from the previous exercise, and get the models using the following REST API (example for ID 440):</a:t>
+              <a:t>Loop through 10   car manufacturers from the previous exercise, and get the models using the following REST API (example for ID 440):</a:t>
             </a:r>
           </a:p>
           <a:p>
@@ -6554,6 +6558,525 @@
     <p:extLst>
       <p:ext uri="{BB962C8B-B14F-4D97-AF65-F5344CB8AC3E}">
         <p14:creationId xmlns:p14="http://schemas.microsoft.com/office/powerpoint/2010/main" val="2616634405"/>
+      </p:ext>
+    </p:extLst>
+  </p:cSld>
+  <p:clrMapOvr>
+    <a:masterClrMapping/>
+  </p:clrMapOvr>
+</p:sld>
+</file>
+
+<file path=ppt/slides/slide18.xml><?xml version="1.0" encoding="utf-8"?>
+<p:sld xmlns:a="http://schemas.openxmlformats.org/drawingml/2006/main" xmlns:r="http://schemas.openxmlformats.org/officeDocument/2006/relationships" xmlns:p="http://schemas.openxmlformats.org/presentationml/2006/main">
+  <p:cSld>
+    <p:spTree>
+      <p:nvGrpSpPr>
+        <p:cNvPr id="1" name=""/>
+        <p:cNvGrpSpPr/>
+        <p:nvPr/>
+      </p:nvGrpSpPr>
+      <p:grpSpPr>
+        <a:xfrm>
+          <a:off x="0" y="0"/>
+          <a:ext cx="0" cy="0"/>
+          <a:chOff x="0" y="0"/>
+          <a:chExt cx="0" cy="0"/>
+        </a:xfrm>
+      </p:grpSpPr>
+      <p:sp>
+        <p:nvSpPr>
+          <p:cNvPr id="2" name="Title 1">
+            <a:extLst>
+              <a:ext uri="{FF2B5EF4-FFF2-40B4-BE49-F238E27FC236}">
+                <a16:creationId xmlns:a16="http://schemas.microsoft.com/office/drawing/2014/main" id="{2D475FBB-4FB7-4F14-07CA-E22758E6BDF6}"/>
+              </a:ext>
+            </a:extLst>
+          </p:cNvPr>
+          <p:cNvSpPr>
+            <a:spLocks noGrp="1"/>
+          </p:cNvSpPr>
+          <p:nvPr>
+            <p:ph type="title"/>
+          </p:nvPr>
+        </p:nvSpPr>
+        <p:spPr/>
+        <p:txBody>
+          <a:bodyPr/>
+          <a:lstStyle/>
+          <a:p>
+            <a:r>
+              <a:rPr lang="en-US" dirty="0"/>
+              <a:t>COM – Component Object Model</a:t>
+            </a:r>
+            <a:endParaRPr lang="nb-NO" dirty="0"/>
+          </a:p>
+        </p:txBody>
+      </p:sp>
+      <p:sp>
+        <p:nvSpPr>
+          <p:cNvPr id="3" name="Content Placeholder 2">
+            <a:extLst>
+              <a:ext uri="{FF2B5EF4-FFF2-40B4-BE49-F238E27FC236}">
+                <a16:creationId xmlns:a16="http://schemas.microsoft.com/office/drawing/2014/main" id="{B84B8881-6C93-941A-AF23-6E86C647AD9E}"/>
+              </a:ext>
+            </a:extLst>
+          </p:cNvPr>
+          <p:cNvSpPr>
+            <a:spLocks noGrp="1"/>
+          </p:cNvSpPr>
+          <p:nvPr>
+            <p:ph idx="1"/>
+          </p:nvPr>
+        </p:nvSpPr>
+        <p:spPr/>
+        <p:txBody>
+          <a:bodyPr>
+            <a:normAutofit fontScale="92500"/>
+          </a:bodyPr>
+          <a:lstStyle/>
+          <a:p>
+            <a:pPr marL="0" indent="0">
+              <a:buNone/>
+            </a:pPr>
+            <a:r>
+              <a:rPr lang="en-US" dirty="0"/>
+              <a:t>Allows one program to communicate with and control another program.</a:t>
+            </a:r>
+          </a:p>
+          <a:p>
+            <a:pPr marL="0" indent="0">
+              <a:buNone/>
+            </a:pPr>
+            <a:endParaRPr lang="en-US" dirty="0"/>
+          </a:p>
+          <a:p>
+            <a:pPr marL="0" indent="0">
+              <a:buNone/>
+            </a:pPr>
+            <a:r>
+              <a:rPr lang="en-US" dirty="0"/>
+              <a:t>COM support must be built into both programs.</a:t>
+            </a:r>
+          </a:p>
+          <a:p>
+            <a:pPr marL="0" indent="0">
+              <a:buNone/>
+            </a:pPr>
+            <a:endParaRPr lang="en-US" dirty="0"/>
+          </a:p>
+          <a:p>
+            <a:pPr marL="0" indent="0">
+              <a:buNone/>
+            </a:pPr>
+            <a:r>
+              <a:rPr lang="en-US" dirty="0"/>
+              <a:t>We can write Python programs to programs written in any programming language that supports COM.</a:t>
+            </a:r>
+          </a:p>
+          <a:p>
+            <a:pPr marL="0" indent="0">
+              <a:buNone/>
+            </a:pPr>
+            <a:endParaRPr lang="en-US" dirty="0"/>
+          </a:p>
+          <a:p>
+            <a:pPr marL="0" indent="0">
+              <a:buNone/>
+            </a:pPr>
+            <a:r>
+              <a:rPr lang="en-US" dirty="0"/>
+              <a:t>Install the COM library by running</a:t>
+            </a:r>
+          </a:p>
+          <a:p>
+            <a:pPr marL="0" indent="0">
+              <a:buNone/>
+            </a:pPr>
+            <a:r>
+              <a:rPr lang="en-US" dirty="0">
+                <a:latin typeface="Courier New" panose="02070309020205020404" pitchFamily="49" charset="0"/>
+                <a:cs typeface="Courier New" panose="02070309020205020404" pitchFamily="49" charset="0"/>
+              </a:rPr>
+              <a:t>pip install pywin32 </a:t>
+            </a:r>
+          </a:p>
+          <a:p>
+            <a:pPr marL="0" indent="0">
+              <a:buNone/>
+            </a:pPr>
+            <a:endParaRPr lang="nb-NO" dirty="0"/>
+          </a:p>
+        </p:txBody>
+      </p:sp>
+    </p:spTree>
+    <p:extLst>
+      <p:ext uri="{BB962C8B-B14F-4D97-AF65-F5344CB8AC3E}">
+        <p14:creationId xmlns:p14="http://schemas.microsoft.com/office/powerpoint/2010/main" val="3432287137"/>
+      </p:ext>
+    </p:extLst>
+  </p:cSld>
+  <p:clrMapOvr>
+    <a:masterClrMapping/>
+  </p:clrMapOvr>
+</p:sld>
+</file>
+
+<file path=ppt/slides/slide19.xml><?xml version="1.0" encoding="utf-8"?>
+<p:sld xmlns:a="http://schemas.openxmlformats.org/drawingml/2006/main" xmlns:r="http://schemas.openxmlformats.org/officeDocument/2006/relationships" xmlns:p="http://schemas.openxmlformats.org/presentationml/2006/main">
+  <p:cSld>
+    <p:spTree>
+      <p:nvGrpSpPr>
+        <p:cNvPr id="1" name=""/>
+        <p:cNvGrpSpPr/>
+        <p:nvPr/>
+      </p:nvGrpSpPr>
+      <p:grpSpPr>
+        <a:xfrm>
+          <a:off x="0" y="0"/>
+          <a:ext cx="0" cy="0"/>
+          <a:chOff x="0" y="0"/>
+          <a:chExt cx="0" cy="0"/>
+        </a:xfrm>
+      </p:grpSpPr>
+      <p:sp>
+        <p:nvSpPr>
+          <p:cNvPr id="2" name="Title 1">
+            <a:extLst>
+              <a:ext uri="{FF2B5EF4-FFF2-40B4-BE49-F238E27FC236}">
+                <a16:creationId xmlns:a16="http://schemas.microsoft.com/office/drawing/2014/main" id="{B571EC7C-A380-EB74-E4F4-7ED547644EC5}"/>
+              </a:ext>
+            </a:extLst>
+          </p:cNvPr>
+          <p:cNvSpPr>
+            <a:spLocks noGrp="1"/>
+          </p:cNvSpPr>
+          <p:nvPr>
+            <p:ph type="title"/>
+          </p:nvPr>
+        </p:nvSpPr>
+        <p:spPr/>
+        <p:txBody>
+          <a:bodyPr/>
+          <a:lstStyle/>
+          <a:p>
+            <a:r>
+              <a:rPr lang="en-US" dirty="0"/>
+              <a:t>Syntax</a:t>
+            </a:r>
+            <a:endParaRPr lang="nb-NO" dirty="0"/>
+          </a:p>
+        </p:txBody>
+      </p:sp>
+      <p:sp>
+        <p:nvSpPr>
+          <p:cNvPr id="3" name="Content Placeholder 2">
+            <a:extLst>
+              <a:ext uri="{FF2B5EF4-FFF2-40B4-BE49-F238E27FC236}">
+                <a16:creationId xmlns:a16="http://schemas.microsoft.com/office/drawing/2014/main" id="{6B4FD69F-179E-86BF-E669-EDA8344909EF}"/>
+              </a:ext>
+            </a:extLst>
+          </p:cNvPr>
+          <p:cNvSpPr>
+            <a:spLocks noGrp="1"/>
+          </p:cNvSpPr>
+          <p:nvPr>
+            <p:ph idx="1"/>
+          </p:nvPr>
+        </p:nvSpPr>
+        <p:spPr/>
+        <p:txBody>
+          <a:bodyPr>
+            <a:normAutofit fontScale="92500" lnSpcReduction="20000"/>
+          </a:bodyPr>
+          <a:lstStyle/>
+          <a:p>
+            <a:pPr marL="0" indent="0">
+              <a:buNone/>
+            </a:pPr>
+            <a:r>
+              <a:rPr lang="nb-NO" b="0" dirty="0">
+                <a:effectLst/>
+                <a:latin typeface="Consolas" panose="020B0609020204030204" pitchFamily="49" charset="0"/>
+              </a:rPr>
+              <a:t>import win32com.client</a:t>
+            </a:r>
+          </a:p>
+          <a:p>
+            <a:pPr marL="0" indent="0">
+              <a:buNone/>
+            </a:pPr>
+            <a:r>
+              <a:rPr lang="nb-NO" b="0" dirty="0" err="1">
+                <a:effectLst/>
+                <a:latin typeface="Consolas" panose="020B0609020204030204" pitchFamily="49" charset="0"/>
+              </a:rPr>
+              <a:t>com_application</a:t>
+            </a:r>
+            <a:r>
+              <a:rPr lang="nb-NO" b="0" dirty="0">
+                <a:effectLst/>
+                <a:latin typeface="Consolas" panose="020B0609020204030204" pitchFamily="49" charset="0"/>
+              </a:rPr>
+              <a:t> = win32com.client.Dispatch(</a:t>
+            </a:r>
+            <a:r>
+              <a:rPr lang="nb-NO" b="0" dirty="0" err="1">
+                <a:effectLst/>
+                <a:latin typeface="Consolas" panose="020B0609020204030204" pitchFamily="49" charset="0"/>
+              </a:rPr>
+              <a:t>ProgID</a:t>
+            </a:r>
+            <a:r>
+              <a:rPr lang="nb-NO" b="0" dirty="0">
+                <a:effectLst/>
+                <a:latin typeface="Consolas" panose="020B0609020204030204" pitchFamily="49" charset="0"/>
+              </a:rPr>
+              <a:t>)</a:t>
+            </a:r>
+          </a:p>
+          <a:p>
+            <a:pPr marL="0" indent="0">
+              <a:buNone/>
+            </a:pPr>
+            <a:endParaRPr lang="nb-NO" dirty="0"/>
+          </a:p>
+          <a:p>
+            <a:pPr marL="0" indent="0">
+              <a:buNone/>
+            </a:pPr>
+            <a:r>
+              <a:rPr lang="nb-NO" b="1" dirty="0" err="1"/>
+              <a:t>Common</a:t>
+            </a:r>
+            <a:r>
+              <a:rPr lang="nb-NO" b="1" dirty="0"/>
+              <a:t> </a:t>
+            </a:r>
+            <a:r>
+              <a:rPr lang="nb-NO" b="1" dirty="0" err="1"/>
+              <a:t>ProgIDs</a:t>
+            </a:r>
+            <a:endParaRPr lang="nb-NO" b="1" dirty="0"/>
+          </a:p>
+          <a:p>
+            <a:pPr marL="0" indent="0">
+              <a:buNone/>
+            </a:pPr>
+            <a:r>
+              <a:rPr lang="nb-NO" dirty="0"/>
+              <a:t>"</a:t>
+            </a:r>
+            <a:r>
+              <a:rPr lang="nb-NO" dirty="0" err="1"/>
+              <a:t>Excel.Application</a:t>
+            </a:r>
+            <a:r>
+              <a:rPr lang="nb-NO" dirty="0"/>
+              <a:t>"</a:t>
+            </a:r>
+          </a:p>
+          <a:p>
+            <a:pPr marL="0" indent="0">
+              <a:buNone/>
+            </a:pPr>
+            <a:r>
+              <a:rPr lang="nb-NO" dirty="0"/>
+              <a:t>"</a:t>
+            </a:r>
+            <a:r>
+              <a:rPr lang="nb-NO" dirty="0" err="1"/>
+              <a:t>Word.Application</a:t>
+            </a:r>
+            <a:r>
+              <a:rPr lang="nb-NO" dirty="0"/>
+              <a:t>"</a:t>
+            </a:r>
+          </a:p>
+          <a:p>
+            <a:pPr marL="0" indent="0">
+              <a:buNone/>
+            </a:pPr>
+            <a:r>
+              <a:rPr lang="nb-NO" dirty="0"/>
+              <a:t>"</a:t>
+            </a:r>
+            <a:r>
+              <a:rPr lang="nb-NO" dirty="0" err="1"/>
+              <a:t>Outlook.Application</a:t>
+            </a:r>
+            <a:r>
+              <a:rPr lang="nb-NO" dirty="0"/>
+              <a:t>"</a:t>
+            </a:r>
+          </a:p>
+          <a:p>
+            <a:pPr marL="0" indent="0">
+              <a:buNone/>
+            </a:pPr>
+            <a:r>
+              <a:rPr lang="nb-NO" dirty="0"/>
+              <a:t>"</a:t>
+            </a:r>
+            <a:r>
+              <a:rPr lang="nb-NO" dirty="0" err="1"/>
+              <a:t>PowerPoint.Application</a:t>
+            </a:r>
+            <a:r>
+              <a:rPr lang="nb-NO" dirty="0"/>
+              <a:t>"</a:t>
+            </a:r>
+          </a:p>
+          <a:p>
+            <a:pPr marL="0" indent="0">
+              <a:buNone/>
+            </a:pPr>
+            <a:r>
+              <a:rPr lang="nb-NO" dirty="0"/>
+              <a:t>"</a:t>
+            </a:r>
+            <a:r>
+              <a:rPr lang="nb-NO" dirty="0" err="1"/>
+              <a:t>Access.Application</a:t>
+            </a:r>
+            <a:r>
+              <a:rPr lang="nb-NO" dirty="0"/>
+              <a:t>"</a:t>
+            </a:r>
+          </a:p>
+          <a:p>
+            <a:pPr marL="0" indent="0">
+              <a:buNone/>
+            </a:pPr>
+            <a:r>
+              <a:rPr lang="nb-NO" dirty="0"/>
+              <a:t>"</a:t>
+            </a:r>
+            <a:r>
+              <a:rPr lang="nb-NO" dirty="0" err="1"/>
+              <a:t>OneNote.Application</a:t>
+            </a:r>
+            <a:r>
+              <a:rPr lang="nb-NO" dirty="0"/>
+              <a:t>"</a:t>
+            </a:r>
+          </a:p>
+        </p:txBody>
+      </p:sp>
+      <p:sp>
+        <p:nvSpPr>
+          <p:cNvPr id="4" name="TextBox 3">
+            <a:extLst>
+              <a:ext uri="{FF2B5EF4-FFF2-40B4-BE49-F238E27FC236}">
+                <a16:creationId xmlns:a16="http://schemas.microsoft.com/office/drawing/2014/main" id="{E29C831E-B858-AA31-83B7-0F2B936CA3EE}"/>
+              </a:ext>
+            </a:extLst>
+          </p:cNvPr>
+          <p:cNvSpPr txBox="1"/>
+          <p:nvPr/>
+        </p:nvSpPr>
+        <p:spPr>
+          <a:xfrm>
+            <a:off x="4893012" y="3317130"/>
+            <a:ext cx="6365133" cy="2492990"/>
+          </a:xfrm>
+          <a:prstGeom prst="rect">
+            <a:avLst/>
+          </a:prstGeom>
+          <a:noFill/>
+        </p:spPr>
+        <p:txBody>
+          <a:bodyPr wrap="square" rtlCol="0">
+            <a:spAutoFit/>
+          </a:bodyPr>
+          <a:lstStyle/>
+          <a:p>
+            <a:r>
+              <a:rPr lang="nb-NO" sz="2600" dirty="0"/>
+              <a:t>"</a:t>
+            </a:r>
+            <a:r>
+              <a:rPr lang="nb-NO" sz="2600" dirty="0" err="1"/>
+              <a:t>Shell.Application</a:t>
+            </a:r>
+            <a:r>
+              <a:rPr lang="nb-NO" sz="2600" dirty="0"/>
+              <a:t>" (File </a:t>
+            </a:r>
+            <a:r>
+              <a:rPr lang="nb-NO" sz="2600" dirty="0" err="1"/>
+              <a:t>explorer</a:t>
+            </a:r>
+            <a:r>
+              <a:rPr lang="nb-NO" sz="2600" dirty="0"/>
+              <a:t>)</a:t>
+            </a:r>
+          </a:p>
+          <a:p>
+            <a:r>
+              <a:rPr lang="nb-NO" sz="2600" dirty="0"/>
+              <a:t>"</a:t>
+            </a:r>
+            <a:r>
+              <a:rPr lang="nb-NO" sz="2600" dirty="0" err="1"/>
+              <a:t>InternetExplorer.Application</a:t>
+            </a:r>
+            <a:r>
+              <a:rPr lang="nb-NO" sz="2600" dirty="0"/>
+              <a:t>" </a:t>
+            </a:r>
+          </a:p>
+          <a:p>
+            <a:r>
+              <a:rPr lang="nb-NO" sz="2600" dirty="0"/>
+              <a:t>"WMPlayer.OCX" </a:t>
+            </a:r>
+            <a:r>
+              <a:rPr lang="nb-NO" sz="2600" i="1" dirty="0"/>
+              <a:t>(Media Player)</a:t>
+            </a:r>
+          </a:p>
+          <a:p>
+            <a:r>
+              <a:rPr lang="nb-NO" sz="2600" dirty="0"/>
+              <a:t>"</a:t>
+            </a:r>
+            <a:r>
+              <a:rPr lang="nb-NO" sz="2600" dirty="0" err="1"/>
+              <a:t>ShockwaveFlash.ShockwaveFlash</a:t>
+            </a:r>
+            <a:r>
+              <a:rPr lang="nb-NO" sz="2600" dirty="0"/>
+              <a:t>"</a:t>
+            </a:r>
+          </a:p>
+          <a:p>
+            <a:r>
+              <a:rPr lang="nb-NO" sz="2600" dirty="0"/>
+              <a:t>"</a:t>
+            </a:r>
+            <a:r>
+              <a:rPr lang="nb-NO" sz="2600" dirty="0" err="1"/>
+              <a:t>AcroExch.App</a:t>
+            </a:r>
+            <a:r>
+              <a:rPr lang="nb-NO" sz="2600" dirty="0"/>
+              <a:t>"  </a:t>
+            </a:r>
+            <a:r>
+              <a:rPr lang="nb-NO" sz="2600" i="1" dirty="0"/>
+              <a:t>(Acrobat)</a:t>
+            </a:r>
+          </a:p>
+          <a:p>
+            <a:endParaRPr lang="nb-NO" sz="2600" dirty="0"/>
+          </a:p>
+        </p:txBody>
+      </p:sp>
+    </p:spTree>
+    <p:extLst>
+      <p:ext uri="{BB962C8B-B14F-4D97-AF65-F5344CB8AC3E}">
+        <p14:creationId xmlns:p14="http://schemas.microsoft.com/office/powerpoint/2010/main" val="348516596"/>
       </p:ext>
     </p:extLst>
   </p:cSld>
@@ -6810,6 +7333,717 @@
     <p:extLst>
       <p:ext uri="{BB962C8B-B14F-4D97-AF65-F5344CB8AC3E}">
         <p14:creationId xmlns:p14="http://schemas.microsoft.com/office/powerpoint/2010/main" val="1389245543"/>
+      </p:ext>
+    </p:extLst>
+  </p:cSld>
+  <p:clrMapOvr>
+    <a:masterClrMapping/>
+  </p:clrMapOvr>
+</p:sld>
+</file>
+
+<file path=ppt/slides/slide20.xml><?xml version="1.0" encoding="utf-8"?>
+<p:sld xmlns:a="http://schemas.openxmlformats.org/drawingml/2006/main" xmlns:r="http://schemas.openxmlformats.org/officeDocument/2006/relationships" xmlns:p="http://schemas.openxmlformats.org/presentationml/2006/main">
+  <p:cSld>
+    <p:spTree>
+      <p:nvGrpSpPr>
+        <p:cNvPr id="1" name=""/>
+        <p:cNvGrpSpPr/>
+        <p:nvPr/>
+      </p:nvGrpSpPr>
+      <p:grpSpPr>
+        <a:xfrm>
+          <a:off x="0" y="0"/>
+          <a:ext cx="0" cy="0"/>
+          <a:chOff x="0" y="0"/>
+          <a:chExt cx="0" cy="0"/>
+        </a:xfrm>
+      </p:grpSpPr>
+      <p:sp>
+        <p:nvSpPr>
+          <p:cNvPr id="2" name="Title 1">
+            <a:extLst>
+              <a:ext uri="{FF2B5EF4-FFF2-40B4-BE49-F238E27FC236}">
+                <a16:creationId xmlns:a16="http://schemas.microsoft.com/office/drawing/2014/main" id="{7DCA1D9C-657F-98EA-0F12-1F5FF2A0C2C2}"/>
+              </a:ext>
+            </a:extLst>
+          </p:cNvPr>
+          <p:cNvSpPr>
+            <a:spLocks noGrp="1"/>
+          </p:cNvSpPr>
+          <p:nvPr>
+            <p:ph type="title"/>
+          </p:nvPr>
+        </p:nvSpPr>
+        <p:spPr/>
+        <p:txBody>
+          <a:bodyPr/>
+          <a:lstStyle/>
+          <a:p>
+            <a:r>
+              <a:rPr lang="en-US" dirty="0"/>
+              <a:t>COM Exercise</a:t>
+            </a:r>
+            <a:endParaRPr lang="nb-NO" dirty="0"/>
+          </a:p>
+        </p:txBody>
+      </p:sp>
+      <p:sp>
+        <p:nvSpPr>
+          <p:cNvPr id="3" name="Content Placeholder 2">
+            <a:extLst>
+              <a:ext uri="{FF2B5EF4-FFF2-40B4-BE49-F238E27FC236}">
+                <a16:creationId xmlns:a16="http://schemas.microsoft.com/office/drawing/2014/main" id="{B5892582-370C-7F7E-7206-CFEA5B9468C3}"/>
+              </a:ext>
+            </a:extLst>
+          </p:cNvPr>
+          <p:cNvSpPr>
+            <a:spLocks noGrp="1"/>
+          </p:cNvSpPr>
+          <p:nvPr>
+            <p:ph idx="1"/>
+          </p:nvPr>
+        </p:nvSpPr>
+        <p:spPr/>
+        <p:txBody>
+          <a:bodyPr>
+            <a:normAutofit/>
+          </a:bodyPr>
+          <a:lstStyle/>
+          <a:p>
+            <a:pPr marL="0" indent="0">
+              <a:buNone/>
+            </a:pPr>
+            <a:r>
+              <a:rPr lang="en-US" dirty="0"/>
+              <a:t>Create an Excel file.</a:t>
+            </a:r>
+          </a:p>
+          <a:p>
+            <a:pPr marL="0" indent="0">
+              <a:buNone/>
+            </a:pPr>
+            <a:r>
+              <a:rPr lang="en-US" dirty="0"/>
+              <a:t>Make a Python program that makes Excel open the file and search for the string “1234”. </a:t>
+            </a:r>
+          </a:p>
+          <a:p>
+            <a:pPr marL="0" indent="0">
+              <a:buNone/>
+            </a:pPr>
+            <a:r>
+              <a:rPr lang="en-US" dirty="0"/>
+              <a:t>Write “PASSED” if found, “FAILED” if not found</a:t>
+            </a:r>
+          </a:p>
+          <a:p>
+            <a:pPr marL="0" indent="0">
+              <a:buNone/>
+            </a:pPr>
+            <a:endParaRPr lang="en-US" dirty="0"/>
+          </a:p>
+          <a:p>
+            <a:pPr marL="0" indent="0">
+              <a:buNone/>
+            </a:pPr>
+            <a:r>
+              <a:rPr lang="en-US" dirty="0"/>
+              <a:t>Useful COM functions (using the conventions from the example) </a:t>
+            </a:r>
+          </a:p>
+          <a:p>
+            <a:r>
+              <a:rPr lang="en-US" dirty="0"/>
+              <a:t>workbook = </a:t>
+            </a:r>
+            <a:r>
+              <a:rPr lang="en-US" dirty="0" err="1"/>
+              <a:t>excel.Workbooks.Open</a:t>
+            </a:r>
+            <a:r>
+              <a:rPr lang="en-US" dirty="0"/>
+              <a:t>(</a:t>
+            </a:r>
+            <a:r>
+              <a:rPr lang="en-US" dirty="0" err="1"/>
+              <a:t>file_name</a:t>
+            </a:r>
+            <a:r>
+              <a:rPr lang="en-US" dirty="0"/>
+              <a:t>) </a:t>
+            </a:r>
+          </a:p>
+          <a:p>
+            <a:r>
+              <a:rPr lang="en-US" dirty="0"/>
+              <a:t>if </a:t>
+            </a:r>
+            <a:r>
+              <a:rPr lang="en-US" dirty="0" err="1"/>
+              <a:t>sheet.Cells.Find</a:t>
+            </a:r>
+            <a:r>
+              <a:rPr lang="en-US" dirty="0"/>
+              <a:t>(</a:t>
+            </a:r>
+            <a:r>
+              <a:rPr lang="en-US" dirty="0" err="1"/>
+              <a:t>search_string</a:t>
+            </a:r>
+            <a:r>
+              <a:rPr lang="en-US" dirty="0"/>
+              <a:t>):</a:t>
+            </a:r>
+          </a:p>
+          <a:p>
+            <a:pPr marL="457200" lvl="1" indent="0">
+              <a:buNone/>
+            </a:pPr>
+            <a:r>
+              <a:rPr lang="nb-NO" dirty="0"/>
+              <a:t>…</a:t>
+            </a:r>
+          </a:p>
+        </p:txBody>
+      </p:sp>
+    </p:spTree>
+    <p:extLst>
+      <p:ext uri="{BB962C8B-B14F-4D97-AF65-F5344CB8AC3E}">
+        <p14:creationId xmlns:p14="http://schemas.microsoft.com/office/powerpoint/2010/main" val="3452276024"/>
+      </p:ext>
+    </p:extLst>
+  </p:cSld>
+  <p:clrMapOvr>
+    <a:masterClrMapping/>
+  </p:clrMapOvr>
+</p:sld>
+</file>
+
+<file path=ppt/slides/slide21.xml><?xml version="1.0" encoding="utf-8"?>
+<p:sld xmlns:a="http://schemas.openxmlformats.org/drawingml/2006/main" xmlns:r="http://schemas.openxmlformats.org/officeDocument/2006/relationships" xmlns:p="http://schemas.openxmlformats.org/presentationml/2006/main">
+  <p:cSld>
+    <p:spTree>
+      <p:nvGrpSpPr>
+        <p:cNvPr id="1" name=""/>
+        <p:cNvGrpSpPr/>
+        <p:nvPr/>
+      </p:nvGrpSpPr>
+      <p:grpSpPr>
+        <a:xfrm>
+          <a:off x="0" y="0"/>
+          <a:ext cx="0" cy="0"/>
+          <a:chOff x="0" y="0"/>
+          <a:chExt cx="0" cy="0"/>
+        </a:xfrm>
+      </p:grpSpPr>
+      <p:sp>
+        <p:nvSpPr>
+          <p:cNvPr id="2" name="Title 1">
+            <a:extLst>
+              <a:ext uri="{FF2B5EF4-FFF2-40B4-BE49-F238E27FC236}">
+                <a16:creationId xmlns:a16="http://schemas.microsoft.com/office/drawing/2014/main" id="{D6DDB20E-8CD9-1FB3-A887-36AF1C24A76B}"/>
+              </a:ext>
+            </a:extLst>
+          </p:cNvPr>
+          <p:cNvSpPr>
+            <a:spLocks noGrp="1"/>
+          </p:cNvSpPr>
+          <p:nvPr>
+            <p:ph type="title"/>
+          </p:nvPr>
+        </p:nvSpPr>
+        <p:spPr/>
+        <p:txBody>
+          <a:bodyPr/>
+          <a:lstStyle/>
+          <a:p>
+            <a:r>
+              <a:rPr lang="en-US" dirty="0"/>
+              <a:t>Extra work: Automate more</a:t>
+            </a:r>
+            <a:endParaRPr lang="nb-NO" dirty="0"/>
+          </a:p>
+        </p:txBody>
+      </p:sp>
+      <p:sp>
+        <p:nvSpPr>
+          <p:cNvPr id="3" name="Content Placeholder 2">
+            <a:extLst>
+              <a:ext uri="{FF2B5EF4-FFF2-40B4-BE49-F238E27FC236}">
+                <a16:creationId xmlns:a16="http://schemas.microsoft.com/office/drawing/2014/main" id="{79F2964E-FCFE-94FC-D5FC-D56E1EBAA921}"/>
+              </a:ext>
+            </a:extLst>
+          </p:cNvPr>
+          <p:cNvSpPr>
+            <a:spLocks noGrp="1"/>
+          </p:cNvSpPr>
+          <p:nvPr>
+            <p:ph idx="1"/>
+          </p:nvPr>
+        </p:nvSpPr>
+        <p:spPr>
+          <a:xfrm>
+            <a:off x="877112" y="1854809"/>
+            <a:ext cx="10515600" cy="4351338"/>
+          </a:xfrm>
+        </p:spPr>
+        <p:txBody>
+          <a:bodyPr>
+            <a:normAutofit fontScale="62500" lnSpcReduction="20000"/>
+          </a:bodyPr>
+          <a:lstStyle/>
+          <a:p>
+            <a:pPr marL="0" indent="0">
+              <a:buNone/>
+            </a:pPr>
+            <a:r>
+              <a:rPr lang="nb-NO" b="1" dirty="0"/>
+              <a:t>Property</a:t>
+            </a:r>
+            <a:r>
+              <a:rPr lang="nb-NO" dirty="0"/>
+              <a:t>	                                            			</a:t>
+            </a:r>
+            <a:r>
+              <a:rPr lang="nb-NO" b="1" dirty="0"/>
+              <a:t>Purpose</a:t>
+            </a:r>
+          </a:p>
+          <a:p>
+            <a:pPr marL="0" indent="0">
+              <a:buNone/>
+            </a:pPr>
+            <a:r>
+              <a:rPr lang="nb-NO" dirty="0" err="1"/>
+              <a:t>excel.Visible</a:t>
+            </a:r>
+            <a:r>
+              <a:rPr lang="nb-NO" dirty="0"/>
+              <a:t> = True/False	                    		Show/</a:t>
+            </a:r>
+            <a:r>
+              <a:rPr lang="nb-NO" dirty="0" err="1"/>
+              <a:t>hide</a:t>
+            </a:r>
+            <a:r>
+              <a:rPr lang="nb-NO" dirty="0"/>
+              <a:t> Excel </a:t>
+            </a:r>
+            <a:r>
+              <a:rPr lang="nb-NO" dirty="0" err="1"/>
+              <a:t>window</a:t>
+            </a:r>
+            <a:endParaRPr lang="nb-NO" dirty="0"/>
+          </a:p>
+          <a:p>
+            <a:pPr marL="0" indent="0">
+              <a:buNone/>
+            </a:pPr>
+            <a:r>
+              <a:rPr lang="nb-NO" dirty="0" err="1"/>
+              <a:t>excel.DisplayAlerts</a:t>
+            </a:r>
+            <a:r>
+              <a:rPr lang="nb-NO" dirty="0"/>
+              <a:t> = False	                    		</a:t>
+            </a:r>
+            <a:r>
+              <a:rPr lang="nb-NO" dirty="0" err="1"/>
+              <a:t>Suppress</a:t>
+            </a:r>
+            <a:r>
+              <a:rPr lang="nb-NO" dirty="0"/>
+              <a:t> </a:t>
+            </a:r>
+            <a:r>
+              <a:rPr lang="nb-NO" dirty="0" err="1"/>
+              <a:t>prompts</a:t>
+            </a:r>
+            <a:r>
+              <a:rPr lang="nb-NO" dirty="0"/>
+              <a:t> (e.g., </a:t>
+            </a:r>
+            <a:r>
+              <a:rPr lang="nb-NO" dirty="0" err="1"/>
+              <a:t>overwrite</a:t>
+            </a:r>
+            <a:r>
+              <a:rPr lang="nb-NO" dirty="0"/>
+              <a:t> </a:t>
+            </a:r>
+            <a:r>
+              <a:rPr lang="nb-NO" dirty="0" err="1"/>
+              <a:t>warnings</a:t>
+            </a:r>
+            <a:r>
+              <a:rPr lang="nb-NO" dirty="0"/>
+              <a:t>)</a:t>
+            </a:r>
+          </a:p>
+          <a:p>
+            <a:pPr marL="0" indent="0">
+              <a:buNone/>
+            </a:pPr>
+            <a:r>
+              <a:rPr lang="nb-NO" dirty="0" err="1"/>
+              <a:t>excel.Quit</a:t>
+            </a:r>
+            <a:r>
+              <a:rPr lang="nb-NO" dirty="0"/>
+              <a:t>()	                                    			</a:t>
+            </a:r>
+            <a:r>
+              <a:rPr lang="nb-NO" dirty="0" err="1"/>
+              <a:t>Quit</a:t>
+            </a:r>
+            <a:r>
+              <a:rPr lang="nb-NO" dirty="0"/>
+              <a:t> Excel</a:t>
+            </a:r>
+          </a:p>
+          <a:p>
+            <a:pPr marL="0" indent="0">
+              <a:buNone/>
+            </a:pPr>
+            <a:r>
+              <a:rPr lang="nb-NO" dirty="0" err="1"/>
+              <a:t>workbook.Sheets</a:t>
+            </a:r>
+            <a:r>
+              <a:rPr lang="nb-NO" dirty="0"/>
+              <a:t>(</a:t>
+            </a:r>
+            <a:r>
+              <a:rPr lang="nb-NO" dirty="0" err="1"/>
+              <a:t>index</a:t>
+            </a:r>
+            <a:r>
+              <a:rPr lang="nb-NO" dirty="0"/>
+              <a:t> or </a:t>
+            </a:r>
+            <a:r>
+              <a:rPr lang="nb-NO" dirty="0" err="1"/>
+              <a:t>name</a:t>
+            </a:r>
+            <a:r>
+              <a:rPr lang="nb-NO" dirty="0"/>
+              <a:t>)	                        	Access a </a:t>
+            </a:r>
+            <a:r>
+              <a:rPr lang="nb-NO" dirty="0" err="1"/>
+              <a:t>specific</a:t>
+            </a:r>
+            <a:r>
+              <a:rPr lang="nb-NO" dirty="0"/>
+              <a:t> </a:t>
+            </a:r>
+            <a:r>
+              <a:rPr lang="nb-NO" dirty="0" err="1"/>
+              <a:t>worksheet</a:t>
+            </a:r>
+            <a:endParaRPr lang="nb-NO" dirty="0"/>
+          </a:p>
+          <a:p>
+            <a:pPr marL="0" indent="0">
+              <a:buNone/>
+            </a:pPr>
+            <a:r>
+              <a:rPr lang="nb-NO" dirty="0" err="1"/>
+              <a:t>workbook.Sheets.Count</a:t>
+            </a:r>
+            <a:r>
+              <a:rPr lang="nb-NO" dirty="0"/>
+              <a:t>	                                		</a:t>
+            </a:r>
+            <a:r>
+              <a:rPr lang="nb-NO" dirty="0" err="1"/>
+              <a:t>Get</a:t>
+            </a:r>
+            <a:r>
+              <a:rPr lang="nb-NO" dirty="0"/>
+              <a:t> </a:t>
+            </a:r>
+            <a:r>
+              <a:rPr lang="nb-NO" dirty="0" err="1"/>
+              <a:t>number</a:t>
+            </a:r>
+            <a:r>
+              <a:rPr lang="nb-NO" dirty="0"/>
+              <a:t> </a:t>
+            </a:r>
+            <a:r>
+              <a:rPr lang="nb-NO" dirty="0" err="1"/>
+              <a:t>of</a:t>
+            </a:r>
+            <a:r>
+              <a:rPr lang="nb-NO" dirty="0"/>
+              <a:t> </a:t>
+            </a:r>
+            <a:r>
+              <a:rPr lang="nb-NO" dirty="0" err="1"/>
+              <a:t>sheets</a:t>
+            </a:r>
+            <a:endParaRPr lang="nb-NO" dirty="0"/>
+          </a:p>
+          <a:p>
+            <a:pPr marL="0" indent="0">
+              <a:buNone/>
+            </a:pPr>
+            <a:r>
+              <a:rPr lang="nb-NO" dirty="0" err="1"/>
+              <a:t>workbook.Sheets.Add</a:t>
+            </a:r>
+            <a:r>
+              <a:rPr lang="nb-NO" dirty="0"/>
+              <a:t>()	                                		</a:t>
+            </a:r>
+            <a:r>
+              <a:rPr lang="nb-NO" dirty="0" err="1"/>
+              <a:t>Add</a:t>
+            </a:r>
+            <a:r>
+              <a:rPr lang="nb-NO" dirty="0"/>
+              <a:t> a </a:t>
+            </a:r>
+            <a:r>
+              <a:rPr lang="nb-NO" dirty="0" err="1"/>
+              <a:t>new</a:t>
+            </a:r>
+            <a:r>
+              <a:rPr lang="nb-NO" dirty="0"/>
+              <a:t> </a:t>
+            </a:r>
+            <a:r>
+              <a:rPr lang="nb-NO" dirty="0" err="1"/>
+              <a:t>sheet</a:t>
+            </a:r>
+            <a:endParaRPr lang="nb-NO" dirty="0"/>
+          </a:p>
+          <a:p>
+            <a:pPr marL="0" indent="0">
+              <a:buNone/>
+            </a:pPr>
+            <a:r>
+              <a:rPr lang="nb-NO" dirty="0" err="1"/>
+              <a:t>sheet.Name</a:t>
+            </a:r>
+            <a:r>
+              <a:rPr lang="nb-NO" dirty="0"/>
+              <a:t>	                                        		</a:t>
+            </a:r>
+            <a:r>
+              <a:rPr lang="nb-NO" dirty="0" err="1"/>
+              <a:t>Get</a:t>
+            </a:r>
+            <a:r>
+              <a:rPr lang="nb-NO" dirty="0"/>
+              <a:t>/</a:t>
+            </a:r>
+            <a:r>
+              <a:rPr lang="nb-NO" dirty="0" err="1"/>
+              <a:t>set</a:t>
+            </a:r>
+            <a:r>
+              <a:rPr lang="nb-NO" dirty="0"/>
+              <a:t> </a:t>
+            </a:r>
+            <a:r>
+              <a:rPr lang="nb-NO" dirty="0" err="1"/>
+              <a:t>sheet</a:t>
+            </a:r>
+            <a:r>
+              <a:rPr lang="nb-NO" dirty="0"/>
+              <a:t> </a:t>
+            </a:r>
+            <a:r>
+              <a:rPr lang="nb-NO" dirty="0" err="1"/>
+              <a:t>name</a:t>
+            </a:r>
+            <a:endParaRPr lang="nb-NO" dirty="0"/>
+          </a:p>
+          <a:p>
+            <a:pPr marL="0" indent="0">
+              <a:buNone/>
+            </a:pPr>
+            <a:r>
+              <a:rPr lang="nb-NO" dirty="0" err="1"/>
+              <a:t>excel.Workbooks.Open</a:t>
+            </a:r>
+            <a:r>
+              <a:rPr lang="nb-NO" dirty="0"/>
+              <a:t>(</a:t>
+            </a:r>
+            <a:r>
+              <a:rPr lang="nb-NO" dirty="0" err="1"/>
+              <a:t>path</a:t>
+            </a:r>
+            <a:r>
+              <a:rPr lang="nb-NO" dirty="0"/>
+              <a:t>)	                    	Open an </a:t>
+            </a:r>
+            <a:r>
+              <a:rPr lang="nb-NO" dirty="0" err="1"/>
+              <a:t>existing</a:t>
+            </a:r>
+            <a:r>
+              <a:rPr lang="nb-NO" dirty="0"/>
+              <a:t> </a:t>
+            </a:r>
+            <a:r>
+              <a:rPr lang="nb-NO" dirty="0" err="1"/>
+              <a:t>workbook</a:t>
+            </a:r>
+            <a:endParaRPr lang="nb-NO" dirty="0"/>
+          </a:p>
+          <a:p>
+            <a:pPr marL="0" indent="0">
+              <a:buNone/>
+            </a:pPr>
+            <a:r>
+              <a:rPr lang="nb-NO" dirty="0" err="1"/>
+              <a:t>excel.Workbooks.Add</a:t>
+            </a:r>
+            <a:r>
+              <a:rPr lang="nb-NO" dirty="0"/>
+              <a:t>()	                            		</a:t>
+            </a:r>
+            <a:r>
+              <a:rPr lang="nb-NO" dirty="0" err="1"/>
+              <a:t>Create</a:t>
+            </a:r>
+            <a:r>
+              <a:rPr lang="nb-NO" dirty="0"/>
+              <a:t> a </a:t>
+            </a:r>
+            <a:r>
+              <a:rPr lang="nb-NO" dirty="0" err="1"/>
+              <a:t>new</a:t>
+            </a:r>
+            <a:r>
+              <a:rPr lang="nb-NO" dirty="0"/>
+              <a:t> </a:t>
+            </a:r>
+            <a:r>
+              <a:rPr lang="nb-NO" dirty="0" err="1"/>
+              <a:t>workbook</a:t>
+            </a:r>
+            <a:endParaRPr lang="nb-NO" dirty="0"/>
+          </a:p>
+          <a:p>
+            <a:pPr marL="0" indent="0">
+              <a:buNone/>
+            </a:pPr>
+            <a:r>
+              <a:rPr lang="nb-NO" dirty="0" err="1"/>
+              <a:t>workbook.Close</a:t>
+            </a:r>
+            <a:r>
+              <a:rPr lang="nb-NO" dirty="0"/>
+              <a:t>(</a:t>
+            </a:r>
+            <a:r>
+              <a:rPr lang="nb-NO" dirty="0" err="1"/>
+              <a:t>SaveChanges</a:t>
+            </a:r>
+            <a:r>
+              <a:rPr lang="nb-NO" dirty="0"/>
+              <a:t>=False)	                    Close </a:t>
+            </a:r>
+            <a:r>
+              <a:rPr lang="nb-NO" dirty="0" err="1"/>
+              <a:t>the</a:t>
+            </a:r>
+            <a:r>
+              <a:rPr lang="nb-NO" dirty="0"/>
+              <a:t> </a:t>
+            </a:r>
+            <a:r>
+              <a:rPr lang="nb-NO" dirty="0" err="1"/>
+              <a:t>workbook</a:t>
+            </a:r>
+            <a:endParaRPr lang="nb-NO" dirty="0"/>
+          </a:p>
+          <a:p>
+            <a:pPr marL="0" indent="0">
+              <a:buNone/>
+            </a:pPr>
+            <a:r>
+              <a:rPr lang="nb-NO" dirty="0" err="1"/>
+              <a:t>workbook.Save</a:t>
+            </a:r>
+            <a:r>
+              <a:rPr lang="nb-NO" dirty="0"/>
+              <a:t>()	                                        		Save </a:t>
+            </a:r>
+            <a:r>
+              <a:rPr lang="nb-NO" dirty="0" err="1"/>
+              <a:t>current</a:t>
+            </a:r>
+            <a:r>
+              <a:rPr lang="nb-NO" dirty="0"/>
+              <a:t> </a:t>
+            </a:r>
+            <a:r>
+              <a:rPr lang="nb-NO" dirty="0" err="1"/>
+              <a:t>workbook</a:t>
+            </a:r>
+            <a:endParaRPr lang="nb-NO" dirty="0"/>
+          </a:p>
+          <a:p>
+            <a:pPr marL="0" indent="0">
+              <a:buNone/>
+            </a:pPr>
+            <a:r>
+              <a:rPr lang="nb-NO" dirty="0" err="1"/>
+              <a:t>workbook.SaveAs</a:t>
+            </a:r>
+            <a:r>
+              <a:rPr lang="nb-NO" dirty="0"/>
+              <a:t>(</a:t>
+            </a:r>
+            <a:r>
+              <a:rPr lang="nb-NO" dirty="0" err="1"/>
+              <a:t>filename</a:t>
+            </a:r>
+            <a:r>
+              <a:rPr lang="nb-NO" dirty="0"/>
+              <a:t>)	                            	Save </a:t>
+            </a:r>
+            <a:r>
+              <a:rPr lang="nb-NO" dirty="0" err="1"/>
+              <a:t>with</a:t>
+            </a:r>
+            <a:r>
+              <a:rPr lang="nb-NO" dirty="0"/>
+              <a:t> a </a:t>
+            </a:r>
+            <a:r>
+              <a:rPr lang="nb-NO" dirty="0" err="1"/>
+              <a:t>new</a:t>
+            </a:r>
+            <a:r>
+              <a:rPr lang="nb-NO" dirty="0"/>
+              <a:t> </a:t>
+            </a:r>
+            <a:r>
+              <a:rPr lang="nb-NO" dirty="0" err="1"/>
+              <a:t>name</a:t>
+            </a:r>
+            <a:endParaRPr lang="nb-NO" dirty="0"/>
+          </a:p>
+          <a:p>
+            <a:pPr marL="0" indent="0">
+              <a:buNone/>
+            </a:pPr>
+            <a:endParaRPr lang="nb-NO" dirty="0"/>
+          </a:p>
+        </p:txBody>
+      </p:sp>
+    </p:spTree>
+    <p:extLst>
+      <p:ext uri="{BB962C8B-B14F-4D97-AF65-F5344CB8AC3E}">
+        <p14:creationId xmlns:p14="http://schemas.microsoft.com/office/powerpoint/2010/main" val="3692651813"/>
       </p:ext>
     </p:extLst>
   </p:cSld>
